--- a/0610期末報告_SPLITS.pptx
+++ b/0610期末報告_SPLITS.pptx
@@ -7777,7 +7777,7 @@
             <a:tbl>
               <a:tblPr>
                 <a:noFill/>
-                <a:tableStyleId>{D803C662-49B2-4EEC-97D0-8B6BF7B51812}</a:tableStyleId>
+                <a:tableStyleId>{9E9C61AB-6411-4832-BDB7-4C5D51736AD2}</a:tableStyleId>
               </a:tblPr>
               <a:tblGrid>
                 <a:gridCol w="1334850">
@@ -10765,18 +10765,24 @@
         <p:nvGraphicFramePr>
           <p:cNvPr id="107" name="Google Shape;107;p19"/>
           <p:cNvGraphicFramePr/>
-          <p:nvPr/>
+          <p:nvPr>
+            <p:extLst>
+              <p:ext uri="{D42A27DB-BD31-4B8C-83A1-F6EECF244321}">
+                <p14:modId xmlns:p14="http://schemas.microsoft.com/office/powerpoint/2010/main" val="924127494"/>
+              </p:ext>
+            </p:extLst>
+          </p:nvPr>
         </p:nvGraphicFramePr>
         <p:xfrm>
-          <a:off x="570825" y="1152413"/>
-          <a:ext cx="8002350" cy="3590143"/>
+          <a:off x="570825" y="1152414"/>
+          <a:ext cx="8002350" cy="3615030"/>
         </p:xfrm>
         <a:graphic>
           <a:graphicData uri="http://schemas.openxmlformats.org/drawingml/2006/table">
             <a:tbl>
               <a:tblPr>
                 <a:noFill/>
-                <a:tableStyleId>{D803C662-49B2-4EEC-97D0-8B6BF7B51812}</a:tableStyleId>
+                <a:tableStyleId>{9E9C61AB-6411-4832-BDB7-4C5D51736AD2}</a:tableStyleId>
               </a:tblPr>
               <a:tblGrid>
                 <a:gridCol w="1333725">
@@ -10822,13 +10828,13 @@
                   </a:extLst>
                 </a:gridCol>
               </a:tblGrid>
-              <a:tr h="407650">
+              <a:tr h="445752">
                 <a:tc>
                   <a:txBody>
                     <a:bodyPr/>
                     <a:lstStyle/>
                     <a:p>
-                      <a:pPr marL="0" lvl="0" indent="0" algn="l" rtl="0">
+                      <a:pPr marL="0" lvl="0" indent="0" algn="ctr" rtl="0">
                         <a:spcBef>
                           <a:spcPts val="0"/>
                         </a:spcBef>
@@ -10838,7 +10844,7 @@
                         <a:buNone/>
                       </a:pPr>
                       <a:r>
-                        <a:rPr lang="zh-TW" sz="1100">
+                        <a:rPr lang="zh-TW" sz="1200" dirty="0">
                           <a:latin typeface="Microsoft JhengHei"/>
                           <a:ea typeface="Microsoft JhengHei"/>
                           <a:cs typeface="Microsoft JhengHei"/>
@@ -10846,7 +10852,7 @@
                         </a:rPr>
                         <a:t>意識空間名稱</a:t>
                       </a:r>
-                      <a:endParaRPr sz="1100">
+                      <a:endParaRPr sz="1200" dirty="0">
                         <a:latin typeface="Microsoft JhengHei"/>
                         <a:ea typeface="Microsoft JhengHei"/>
                         <a:cs typeface="Microsoft JhengHei"/>
@@ -10901,7 +10907,7 @@
                     <a:bodyPr/>
                     <a:lstStyle/>
                     <a:p>
-                      <a:pPr marL="0" lvl="0" indent="0" algn="l" rtl="0">
+                      <a:pPr marL="0" lvl="0" indent="0" algn="ctr" rtl="0">
                         <a:spcBef>
                           <a:spcPts val="0"/>
                         </a:spcBef>
@@ -10911,7 +10917,7 @@
                         <a:buNone/>
                       </a:pPr>
                       <a:r>
-                        <a:rPr lang="zh-TW" sz="1100">
+                        <a:rPr lang="zh-TW" sz="1200" dirty="0">
                           <a:latin typeface="Microsoft JhengHei"/>
                           <a:ea typeface="Microsoft JhengHei"/>
                           <a:cs typeface="Microsoft JhengHei"/>
@@ -10919,7 +10925,7 @@
                         </a:rPr>
                         <a:t>交誼廳</a:t>
                       </a:r>
-                      <a:endParaRPr sz="1100">
+                      <a:endParaRPr sz="1200" dirty="0">
                         <a:latin typeface="Microsoft JhengHei"/>
                         <a:ea typeface="Microsoft JhengHei"/>
                         <a:cs typeface="Microsoft JhengHei"/>
@@ -10974,7 +10980,7 @@
                     <a:bodyPr/>
                     <a:lstStyle/>
                     <a:p>
-                      <a:pPr marL="0" lvl="0" indent="0" algn="l" rtl="0">
+                      <a:pPr marL="0" lvl="0" indent="0" algn="ctr" rtl="0">
                         <a:spcBef>
                           <a:spcPts val="0"/>
                         </a:spcBef>
@@ -10984,7 +10990,7 @@
                         <a:buNone/>
                       </a:pPr>
                       <a:r>
-                        <a:rPr lang="zh-TW" sz="1100">
+                        <a:rPr lang="zh-TW" sz="1200" dirty="0">
                           <a:latin typeface="Microsoft JhengHei"/>
                           <a:ea typeface="Microsoft JhengHei"/>
                           <a:cs typeface="Microsoft JhengHei"/>
@@ -10992,7 +10998,7 @@
                         </a:rPr>
                         <a:t>圖書室</a:t>
                       </a:r>
-                      <a:endParaRPr sz="1100">
+                      <a:endParaRPr sz="1200" dirty="0">
                         <a:latin typeface="Microsoft JhengHei"/>
                         <a:ea typeface="Microsoft JhengHei"/>
                         <a:cs typeface="Microsoft JhengHei"/>
@@ -11047,7 +11053,7 @@
                     <a:bodyPr/>
                     <a:lstStyle/>
                     <a:p>
-                      <a:pPr marL="0" lvl="0" indent="0" algn="l" rtl="0">
+                      <a:pPr marL="0" lvl="0" indent="0" algn="ctr" rtl="0">
                         <a:spcBef>
                           <a:spcPts val="0"/>
                         </a:spcBef>
@@ -11057,7 +11063,7 @@
                         <a:buNone/>
                       </a:pPr>
                       <a:r>
-                        <a:rPr lang="zh-TW" sz="1100">
+                        <a:rPr lang="zh-TW" sz="1200">
                           <a:latin typeface="Microsoft JhengHei"/>
                           <a:ea typeface="Microsoft JhengHei"/>
                           <a:cs typeface="Microsoft JhengHei"/>
@@ -11065,7 +11071,7 @@
                         </a:rPr>
                         <a:t>地下室/閣樓</a:t>
                       </a:r>
-                      <a:endParaRPr sz="1100">
+                      <a:endParaRPr sz="1200">
                         <a:latin typeface="Microsoft JhengHei"/>
                         <a:ea typeface="Microsoft JhengHei"/>
                         <a:cs typeface="Microsoft JhengHei"/>
@@ -11120,7 +11126,7 @@
                     <a:bodyPr/>
                     <a:lstStyle/>
                     <a:p>
-                      <a:pPr marL="0" lvl="0" indent="0" algn="l" rtl="0">
+                      <a:pPr marL="0" lvl="0" indent="0" algn="ctr" rtl="0">
                         <a:spcBef>
                           <a:spcPts val="0"/>
                         </a:spcBef>
@@ -11130,7 +11136,7 @@
                         <a:buNone/>
                       </a:pPr>
                       <a:r>
-                        <a:rPr lang="zh-TW" sz="1100">
+                        <a:rPr lang="zh-TW" sz="1200">
                           <a:latin typeface="Microsoft JhengHei"/>
                           <a:ea typeface="Microsoft JhengHei"/>
                           <a:cs typeface="Microsoft JhengHei"/>
@@ -11138,7 +11144,7 @@
                         </a:rPr>
                         <a:t>人格房間</a:t>
                       </a:r>
-                      <a:endParaRPr sz="1100">
+                      <a:endParaRPr sz="1200">
                         <a:latin typeface="Microsoft JhengHei"/>
                         <a:ea typeface="Microsoft JhengHei"/>
                         <a:cs typeface="Microsoft JhengHei"/>
@@ -11193,7 +11199,7 @@
                     <a:bodyPr/>
                     <a:lstStyle/>
                     <a:p>
-                      <a:pPr marL="0" lvl="0" indent="0" algn="l" rtl="0">
+                      <a:pPr marL="0" lvl="0" indent="0" algn="ctr" rtl="0">
                         <a:spcBef>
                           <a:spcPts val="0"/>
                         </a:spcBef>
@@ -11203,7 +11209,7 @@
                         <a:buNone/>
                       </a:pPr>
                       <a:r>
-                        <a:rPr lang="zh-TW" sz="1100">
+                        <a:rPr lang="zh-TW" sz="1200">
                           <a:latin typeface="Microsoft JhengHei"/>
                           <a:ea typeface="Microsoft JhengHei"/>
                           <a:cs typeface="Microsoft JhengHei"/>
@@ -11211,7 +11217,7 @@
                         </a:rPr>
                         <a:t>控制室</a:t>
                       </a:r>
-                      <a:endParaRPr sz="1100">
+                      <a:endParaRPr sz="1200">
                         <a:latin typeface="Microsoft JhengHei"/>
                         <a:ea typeface="Microsoft JhengHei"/>
                         <a:cs typeface="Microsoft JhengHei"/>
@@ -11267,13 +11273,13 @@
                   </a:ext>
                 </a:extLst>
               </a:tr>
-              <a:tr h="462275">
+              <a:tr h="738790">
                 <a:tc>
                   <a:txBody>
                     <a:bodyPr/>
                     <a:lstStyle/>
                     <a:p>
-                      <a:pPr marL="0" lvl="0" indent="0" algn="l" rtl="0">
+                      <a:pPr marL="0" lvl="0" indent="0" algn="ctr" rtl="0">
                         <a:spcBef>
                           <a:spcPts val="0"/>
                         </a:spcBef>
@@ -11283,7 +11289,7 @@
                         <a:buNone/>
                       </a:pPr>
                       <a:r>
-                        <a:rPr lang="zh-TW" sz="1100">
+                        <a:rPr lang="zh-TW" sz="1200" dirty="0">
                           <a:latin typeface="Microsoft JhengHei"/>
                           <a:ea typeface="Microsoft JhengHei"/>
                           <a:cs typeface="Microsoft JhengHei"/>
@@ -11291,7 +11297,1361 @@
                         </a:rPr>
                         <a:t>樓層</a:t>
                       </a:r>
-                      <a:endParaRPr sz="1100">
+                      <a:endParaRPr sz="1200" dirty="0">
+                        <a:latin typeface="Microsoft JhengHei"/>
+                        <a:ea typeface="Microsoft JhengHei"/>
+                        <a:cs typeface="Microsoft JhengHei"/>
+                        <a:sym typeface="Microsoft JhengHei"/>
+                      </a:endParaRPr>
+                    </a:p>
+                  </a:txBody>
+                  <a:tcPr marL="63500" marR="63500" marT="63500" marB="63500" anchor="ctr">
+                    <a:lnL w="12700" cap="flat" cmpd="sng">
+                      <a:solidFill>
+                        <a:srgbClr val="000000"/>
+                      </a:solidFill>
+                      <a:prstDash val="solid"/>
+                      <a:round/>
+                      <a:headEnd type="none" w="sm" len="sm"/>
+                      <a:tailEnd type="none" w="sm" len="sm"/>
+                    </a:lnL>
+                    <a:lnR w="12700" cap="flat" cmpd="sng">
+                      <a:solidFill>
+                        <a:srgbClr val="000000"/>
+                      </a:solidFill>
+                      <a:prstDash val="solid"/>
+                      <a:round/>
+                      <a:headEnd type="none" w="sm" len="sm"/>
+                      <a:tailEnd type="none" w="sm" len="sm"/>
+                    </a:lnR>
+                    <a:lnT w="12700" cap="flat" cmpd="sng">
+                      <a:solidFill>
+                        <a:srgbClr val="000000"/>
+                      </a:solidFill>
+                      <a:prstDash val="solid"/>
+                      <a:round/>
+                      <a:headEnd type="none" w="sm" len="sm"/>
+                      <a:tailEnd type="none" w="sm" len="sm"/>
+                    </a:lnT>
+                    <a:lnB w="12700" cap="flat" cmpd="sng">
+                      <a:solidFill>
+                        <a:srgbClr val="000000"/>
+                      </a:solidFill>
+                      <a:prstDash val="solid"/>
+                      <a:round/>
+                      <a:headEnd type="none" w="sm" len="sm"/>
+                      <a:tailEnd type="none" w="sm" len="sm"/>
+                    </a:lnB>
+                  </a:tcPr>
+                </a:tc>
+                <a:tc>
+                  <a:txBody>
+                    <a:bodyPr/>
+                    <a:lstStyle/>
+                    <a:p>
+                      <a:pPr marL="0" lvl="0" indent="0" algn="ctr" rtl="0">
+                        <a:spcBef>
+                          <a:spcPts val="0"/>
+                        </a:spcBef>
+                        <a:spcAft>
+                          <a:spcPts val="0"/>
+                        </a:spcAft>
+                        <a:buNone/>
+                      </a:pPr>
+                      <a:r>
+                        <a:rPr lang="zh-TW" sz="1200">
+                          <a:latin typeface="Microsoft JhengHei"/>
+                          <a:ea typeface="Microsoft JhengHei"/>
+                          <a:cs typeface="Microsoft JhengHei"/>
+                          <a:sym typeface="Microsoft JhengHei"/>
+                        </a:rPr>
+                        <a:t>1</a:t>
+                      </a:r>
+                      <a:endParaRPr sz="1200">
+                        <a:latin typeface="Microsoft JhengHei"/>
+                        <a:ea typeface="Microsoft JhengHei"/>
+                        <a:cs typeface="Microsoft JhengHei"/>
+                        <a:sym typeface="Microsoft JhengHei"/>
+                      </a:endParaRPr>
+                    </a:p>
+                  </a:txBody>
+                  <a:tcPr marL="63500" marR="63500" marT="63500" marB="63500" anchor="ctr">
+                    <a:lnL w="12700" cap="flat" cmpd="sng">
+                      <a:solidFill>
+                        <a:srgbClr val="000000"/>
+                      </a:solidFill>
+                      <a:prstDash val="solid"/>
+                      <a:round/>
+                      <a:headEnd type="none" w="sm" len="sm"/>
+                      <a:tailEnd type="none" w="sm" len="sm"/>
+                    </a:lnL>
+                    <a:lnR w="12700" cap="flat" cmpd="sng">
+                      <a:solidFill>
+                        <a:srgbClr val="000000"/>
+                      </a:solidFill>
+                      <a:prstDash val="solid"/>
+                      <a:round/>
+                      <a:headEnd type="none" w="sm" len="sm"/>
+                      <a:tailEnd type="none" w="sm" len="sm"/>
+                    </a:lnR>
+                    <a:lnT w="12700" cap="flat" cmpd="sng">
+                      <a:solidFill>
+                        <a:srgbClr val="000000"/>
+                      </a:solidFill>
+                      <a:prstDash val="solid"/>
+                      <a:round/>
+                      <a:headEnd type="none" w="sm" len="sm"/>
+                      <a:tailEnd type="none" w="sm" len="sm"/>
+                    </a:lnT>
+                    <a:lnB w="12700" cap="flat" cmpd="sng">
+                      <a:solidFill>
+                        <a:srgbClr val="000000"/>
+                      </a:solidFill>
+                      <a:prstDash val="solid"/>
+                      <a:round/>
+                      <a:headEnd type="none" w="sm" len="sm"/>
+                      <a:tailEnd type="none" w="sm" len="sm"/>
+                    </a:lnB>
+                  </a:tcPr>
+                </a:tc>
+                <a:tc>
+                  <a:txBody>
+                    <a:bodyPr/>
+                    <a:lstStyle/>
+                    <a:p>
+                      <a:pPr marL="0" lvl="0" indent="0" algn="ctr" rtl="0">
+                        <a:spcBef>
+                          <a:spcPts val="0"/>
+                        </a:spcBef>
+                        <a:spcAft>
+                          <a:spcPts val="0"/>
+                        </a:spcAft>
+                        <a:buNone/>
+                      </a:pPr>
+                      <a:r>
+                        <a:rPr lang="zh-TW" sz="1200">
+                          <a:latin typeface="Microsoft JhengHei"/>
+                          <a:ea typeface="Microsoft JhengHei"/>
+                          <a:cs typeface="Microsoft JhengHei"/>
+                          <a:sym typeface="Microsoft JhengHei"/>
+                        </a:rPr>
+                        <a:t>2</a:t>
+                      </a:r>
+                      <a:endParaRPr sz="1200">
+                        <a:latin typeface="Microsoft JhengHei"/>
+                        <a:ea typeface="Microsoft JhengHei"/>
+                        <a:cs typeface="Microsoft JhengHei"/>
+                        <a:sym typeface="Microsoft JhengHei"/>
+                      </a:endParaRPr>
+                    </a:p>
+                  </a:txBody>
+                  <a:tcPr marL="63500" marR="63500" marT="63500" marB="63500" anchor="ctr">
+                    <a:lnL w="12700" cap="flat" cmpd="sng">
+                      <a:solidFill>
+                        <a:srgbClr val="000000"/>
+                      </a:solidFill>
+                      <a:prstDash val="solid"/>
+                      <a:round/>
+                      <a:headEnd type="none" w="sm" len="sm"/>
+                      <a:tailEnd type="none" w="sm" len="sm"/>
+                    </a:lnL>
+                    <a:lnR w="12700" cap="flat" cmpd="sng">
+                      <a:solidFill>
+                        <a:srgbClr val="000000"/>
+                      </a:solidFill>
+                      <a:prstDash val="solid"/>
+                      <a:round/>
+                      <a:headEnd type="none" w="sm" len="sm"/>
+                      <a:tailEnd type="none" w="sm" len="sm"/>
+                    </a:lnR>
+                    <a:lnT w="12700" cap="flat" cmpd="sng">
+                      <a:solidFill>
+                        <a:srgbClr val="000000"/>
+                      </a:solidFill>
+                      <a:prstDash val="solid"/>
+                      <a:round/>
+                      <a:headEnd type="none" w="sm" len="sm"/>
+                      <a:tailEnd type="none" w="sm" len="sm"/>
+                    </a:lnT>
+                    <a:lnB w="12700" cap="flat" cmpd="sng">
+                      <a:solidFill>
+                        <a:srgbClr val="000000"/>
+                      </a:solidFill>
+                      <a:prstDash val="solid"/>
+                      <a:round/>
+                      <a:headEnd type="none" w="sm" len="sm"/>
+                      <a:tailEnd type="none" w="sm" len="sm"/>
+                    </a:lnB>
+                  </a:tcPr>
+                </a:tc>
+                <a:tc>
+                  <a:txBody>
+                    <a:bodyPr/>
+                    <a:lstStyle/>
+                    <a:p>
+                      <a:pPr marL="0" lvl="0" indent="0" algn="ctr" rtl="0">
+                        <a:spcBef>
+                          <a:spcPts val="0"/>
+                        </a:spcBef>
+                        <a:spcAft>
+                          <a:spcPts val="0"/>
+                        </a:spcAft>
+                        <a:buNone/>
+                      </a:pPr>
+                      <a:r>
+                        <a:rPr lang="zh-TW" sz="1200" dirty="0">
+                          <a:latin typeface="Microsoft JhengHei"/>
+                          <a:ea typeface="Microsoft JhengHei"/>
+                          <a:cs typeface="Microsoft JhengHei"/>
+                          <a:sym typeface="Microsoft JhengHei"/>
+                        </a:rPr>
+                        <a:t>不一定</a:t>
+                      </a:r>
+                      <a:endParaRPr sz="1200" dirty="0">
+                        <a:latin typeface="Microsoft JhengHei"/>
+                        <a:ea typeface="Microsoft JhengHei"/>
+                        <a:cs typeface="Microsoft JhengHei"/>
+                        <a:sym typeface="Microsoft JhengHei"/>
+                      </a:endParaRPr>
+                    </a:p>
+                  </a:txBody>
+                  <a:tcPr marL="63500" marR="63500" marT="63500" marB="63500" anchor="ctr">
+                    <a:lnL w="12700" cap="flat" cmpd="sng">
+                      <a:solidFill>
+                        <a:srgbClr val="000000"/>
+                      </a:solidFill>
+                      <a:prstDash val="solid"/>
+                      <a:round/>
+                      <a:headEnd type="none" w="sm" len="sm"/>
+                      <a:tailEnd type="none" w="sm" len="sm"/>
+                    </a:lnL>
+                    <a:lnR w="12700" cap="flat" cmpd="sng">
+                      <a:solidFill>
+                        <a:srgbClr val="000000"/>
+                      </a:solidFill>
+                      <a:prstDash val="solid"/>
+                      <a:round/>
+                      <a:headEnd type="none" w="sm" len="sm"/>
+                      <a:tailEnd type="none" w="sm" len="sm"/>
+                    </a:lnR>
+                    <a:lnT w="12700" cap="flat" cmpd="sng">
+                      <a:solidFill>
+                        <a:srgbClr val="000000"/>
+                      </a:solidFill>
+                      <a:prstDash val="solid"/>
+                      <a:round/>
+                      <a:headEnd type="none" w="sm" len="sm"/>
+                      <a:tailEnd type="none" w="sm" len="sm"/>
+                    </a:lnT>
+                    <a:lnB w="12700" cap="flat" cmpd="sng">
+                      <a:solidFill>
+                        <a:srgbClr val="000000"/>
+                      </a:solidFill>
+                      <a:prstDash val="solid"/>
+                      <a:round/>
+                      <a:headEnd type="none" w="sm" len="sm"/>
+                      <a:tailEnd type="none" w="sm" len="sm"/>
+                    </a:lnB>
+                  </a:tcPr>
+                </a:tc>
+                <a:tc>
+                  <a:txBody>
+                    <a:bodyPr/>
+                    <a:lstStyle/>
+                    <a:p>
+                      <a:pPr marL="0" lvl="0" indent="0" algn="ctr" rtl="0">
+                        <a:spcBef>
+                          <a:spcPts val="0"/>
+                        </a:spcBef>
+                        <a:spcAft>
+                          <a:spcPts val="0"/>
+                        </a:spcAft>
+                        <a:buNone/>
+                      </a:pPr>
+                      <a:r>
+                        <a:rPr lang="zh-TW" sz="1200" dirty="0">
+                          <a:latin typeface="Microsoft JhengHei"/>
+                          <a:ea typeface="Microsoft JhengHei"/>
+                          <a:cs typeface="Microsoft JhengHei"/>
+                          <a:sym typeface="Microsoft JhengHei"/>
+                        </a:rPr>
+                        <a:t>不一定，每個人格房間所在樓層不同</a:t>
+                      </a:r>
+                      <a:endParaRPr sz="1200" dirty="0">
+                        <a:latin typeface="Microsoft JhengHei"/>
+                        <a:ea typeface="Microsoft JhengHei"/>
+                        <a:cs typeface="Microsoft JhengHei"/>
+                        <a:sym typeface="Microsoft JhengHei"/>
+                      </a:endParaRPr>
+                    </a:p>
+                  </a:txBody>
+                  <a:tcPr marL="63500" marR="63500" marT="63500" marB="63500" anchor="ctr">
+                    <a:lnL w="12700" cap="flat" cmpd="sng">
+                      <a:solidFill>
+                        <a:srgbClr val="000000"/>
+                      </a:solidFill>
+                      <a:prstDash val="solid"/>
+                      <a:round/>
+                      <a:headEnd type="none" w="sm" len="sm"/>
+                      <a:tailEnd type="none" w="sm" len="sm"/>
+                    </a:lnL>
+                    <a:lnR w="12700" cap="flat" cmpd="sng">
+                      <a:solidFill>
+                        <a:srgbClr val="000000"/>
+                      </a:solidFill>
+                      <a:prstDash val="solid"/>
+                      <a:round/>
+                      <a:headEnd type="none" w="sm" len="sm"/>
+                      <a:tailEnd type="none" w="sm" len="sm"/>
+                    </a:lnR>
+                    <a:lnT w="12700" cap="flat" cmpd="sng">
+                      <a:solidFill>
+                        <a:srgbClr val="000000"/>
+                      </a:solidFill>
+                      <a:prstDash val="solid"/>
+                      <a:round/>
+                      <a:headEnd type="none" w="sm" len="sm"/>
+                      <a:tailEnd type="none" w="sm" len="sm"/>
+                    </a:lnT>
+                    <a:lnB w="12700" cap="flat" cmpd="sng">
+                      <a:solidFill>
+                        <a:srgbClr val="000000"/>
+                      </a:solidFill>
+                      <a:prstDash val="solid"/>
+                      <a:round/>
+                      <a:headEnd type="none" w="sm" len="sm"/>
+                      <a:tailEnd type="none" w="sm" len="sm"/>
+                    </a:lnB>
+                  </a:tcPr>
+                </a:tc>
+                <a:tc>
+                  <a:txBody>
+                    <a:bodyPr/>
+                    <a:lstStyle/>
+                    <a:p>
+                      <a:pPr marL="0" lvl="0" indent="0" algn="ctr" rtl="0">
+                        <a:spcBef>
+                          <a:spcPts val="0"/>
+                        </a:spcBef>
+                        <a:spcAft>
+                          <a:spcPts val="0"/>
+                        </a:spcAft>
+                        <a:buNone/>
+                      </a:pPr>
+                      <a:r>
+                        <a:rPr lang="zh-TW" sz="1200">
+                          <a:latin typeface="Microsoft JhengHei"/>
+                          <a:ea typeface="Microsoft JhengHei"/>
+                          <a:cs typeface="Microsoft JhengHei"/>
+                          <a:sym typeface="Microsoft JhengHei"/>
+                        </a:rPr>
+                        <a:t>1</a:t>
+                      </a:r>
+                      <a:endParaRPr sz="1200">
+                        <a:latin typeface="Microsoft JhengHei"/>
+                        <a:ea typeface="Microsoft JhengHei"/>
+                        <a:cs typeface="Microsoft JhengHei"/>
+                        <a:sym typeface="Microsoft JhengHei"/>
+                      </a:endParaRPr>
+                    </a:p>
+                  </a:txBody>
+                  <a:tcPr marL="63500" marR="63500" marT="63500" marB="63500" anchor="ctr">
+                    <a:lnL w="12700" cap="flat" cmpd="sng">
+                      <a:solidFill>
+                        <a:srgbClr val="000000"/>
+                      </a:solidFill>
+                      <a:prstDash val="solid"/>
+                      <a:round/>
+                      <a:headEnd type="none" w="sm" len="sm"/>
+                      <a:tailEnd type="none" w="sm" len="sm"/>
+                    </a:lnL>
+                    <a:lnR w="12700" cap="flat" cmpd="sng">
+                      <a:solidFill>
+                        <a:srgbClr val="000000"/>
+                      </a:solidFill>
+                      <a:prstDash val="solid"/>
+                      <a:round/>
+                      <a:headEnd type="none" w="sm" len="sm"/>
+                      <a:tailEnd type="none" w="sm" len="sm"/>
+                    </a:lnR>
+                    <a:lnT w="12700" cap="flat" cmpd="sng">
+                      <a:solidFill>
+                        <a:srgbClr val="000000"/>
+                      </a:solidFill>
+                      <a:prstDash val="solid"/>
+                      <a:round/>
+                      <a:headEnd type="none" w="sm" len="sm"/>
+                      <a:tailEnd type="none" w="sm" len="sm"/>
+                    </a:lnT>
+                    <a:lnB w="12700" cap="flat" cmpd="sng">
+                      <a:solidFill>
+                        <a:srgbClr val="000000"/>
+                      </a:solidFill>
+                      <a:prstDash val="solid"/>
+                      <a:round/>
+                      <a:headEnd type="none" w="sm" len="sm"/>
+                      <a:tailEnd type="none" w="sm" len="sm"/>
+                    </a:lnB>
+                  </a:tcPr>
+                </a:tc>
+                <a:extLst>
+                  <a:ext uri="{0D108BD9-81ED-4DB2-BD59-A6C34878D82A}">
+                    <a16:rowId xmlns:a16="http://schemas.microsoft.com/office/drawing/2014/main" val="10001"/>
+                  </a:ext>
+                </a:extLst>
+              </a:tr>
+              <a:tr h="610592">
+                <a:tc>
+                  <a:txBody>
+                    <a:bodyPr/>
+                    <a:lstStyle/>
+                    <a:p>
+                      <a:pPr marL="0" lvl="0" indent="0" algn="ctr" rtl="0">
+                        <a:spcBef>
+                          <a:spcPts val="0"/>
+                        </a:spcBef>
+                        <a:spcAft>
+                          <a:spcPts val="0"/>
+                        </a:spcAft>
+                        <a:buNone/>
+                      </a:pPr>
+                      <a:r>
+                        <a:rPr lang="zh-TW" sz="1200">
+                          <a:latin typeface="Microsoft JhengHei"/>
+                          <a:ea typeface="Microsoft JhengHei"/>
+                          <a:cs typeface="Microsoft JhengHei"/>
+                          <a:sym typeface="Microsoft JhengHei"/>
+                        </a:rPr>
+                        <a:t>坪數</a:t>
+                      </a:r>
+                      <a:endParaRPr sz="1200">
+                        <a:latin typeface="Microsoft JhengHei"/>
+                        <a:ea typeface="Microsoft JhengHei"/>
+                        <a:cs typeface="Microsoft JhengHei"/>
+                        <a:sym typeface="Microsoft JhengHei"/>
+                      </a:endParaRPr>
+                    </a:p>
+                  </a:txBody>
+                  <a:tcPr marL="63500" marR="63500" marT="63500" marB="63500" anchor="ctr">
+                    <a:lnL w="12700" cap="flat" cmpd="sng">
+                      <a:solidFill>
+                        <a:srgbClr val="000000"/>
+                      </a:solidFill>
+                      <a:prstDash val="solid"/>
+                      <a:round/>
+                      <a:headEnd type="none" w="sm" len="sm"/>
+                      <a:tailEnd type="none" w="sm" len="sm"/>
+                    </a:lnL>
+                    <a:lnR w="12700" cap="flat" cmpd="sng">
+                      <a:solidFill>
+                        <a:srgbClr val="000000"/>
+                      </a:solidFill>
+                      <a:prstDash val="solid"/>
+                      <a:round/>
+                      <a:headEnd type="none" w="sm" len="sm"/>
+                      <a:tailEnd type="none" w="sm" len="sm"/>
+                    </a:lnR>
+                    <a:lnT w="12700" cap="flat" cmpd="sng">
+                      <a:solidFill>
+                        <a:srgbClr val="000000"/>
+                      </a:solidFill>
+                      <a:prstDash val="solid"/>
+                      <a:round/>
+                      <a:headEnd type="none" w="sm" len="sm"/>
+                      <a:tailEnd type="none" w="sm" len="sm"/>
+                    </a:lnT>
+                    <a:lnB w="12700" cap="flat" cmpd="sng">
+                      <a:solidFill>
+                        <a:srgbClr val="000000"/>
+                      </a:solidFill>
+                      <a:prstDash val="solid"/>
+                      <a:round/>
+                      <a:headEnd type="none" w="sm" len="sm"/>
+                      <a:tailEnd type="none" w="sm" len="sm"/>
+                    </a:lnB>
+                  </a:tcPr>
+                </a:tc>
+                <a:tc>
+                  <a:txBody>
+                    <a:bodyPr/>
+                    <a:lstStyle/>
+                    <a:p>
+                      <a:pPr marL="0" lvl="0" indent="0" algn="ctr" rtl="0">
+                        <a:spcBef>
+                          <a:spcPts val="0"/>
+                        </a:spcBef>
+                        <a:spcAft>
+                          <a:spcPts val="0"/>
+                        </a:spcAft>
+                        <a:buNone/>
+                      </a:pPr>
+                      <a:r>
+                        <a:rPr lang="zh-TW" sz="1200">
+                          <a:latin typeface="Microsoft JhengHei"/>
+                          <a:ea typeface="Microsoft JhengHei"/>
+                          <a:cs typeface="Microsoft JhengHei"/>
+                          <a:sym typeface="Microsoft JhengHei"/>
+                        </a:rPr>
+                        <a:t>28</a:t>
+                      </a:r>
+                      <a:endParaRPr sz="1200">
+                        <a:latin typeface="Microsoft JhengHei"/>
+                        <a:ea typeface="Microsoft JhengHei"/>
+                        <a:cs typeface="Microsoft JhengHei"/>
+                        <a:sym typeface="Microsoft JhengHei"/>
+                      </a:endParaRPr>
+                    </a:p>
+                  </a:txBody>
+                  <a:tcPr marL="63500" marR="63500" marT="63500" marB="63500" anchor="ctr">
+                    <a:lnL w="12700" cap="flat" cmpd="sng">
+                      <a:solidFill>
+                        <a:srgbClr val="000000"/>
+                      </a:solidFill>
+                      <a:prstDash val="solid"/>
+                      <a:round/>
+                      <a:headEnd type="none" w="sm" len="sm"/>
+                      <a:tailEnd type="none" w="sm" len="sm"/>
+                    </a:lnL>
+                    <a:lnR w="12700" cap="flat" cmpd="sng">
+                      <a:solidFill>
+                        <a:srgbClr val="000000"/>
+                      </a:solidFill>
+                      <a:prstDash val="solid"/>
+                      <a:round/>
+                      <a:headEnd type="none" w="sm" len="sm"/>
+                      <a:tailEnd type="none" w="sm" len="sm"/>
+                    </a:lnR>
+                    <a:lnT w="12700" cap="flat" cmpd="sng">
+                      <a:solidFill>
+                        <a:srgbClr val="000000"/>
+                      </a:solidFill>
+                      <a:prstDash val="solid"/>
+                      <a:round/>
+                      <a:headEnd type="none" w="sm" len="sm"/>
+                      <a:tailEnd type="none" w="sm" len="sm"/>
+                    </a:lnT>
+                    <a:lnB w="12700" cap="flat" cmpd="sng">
+                      <a:solidFill>
+                        <a:srgbClr val="000000"/>
+                      </a:solidFill>
+                      <a:prstDash val="solid"/>
+                      <a:round/>
+                      <a:headEnd type="none" w="sm" len="sm"/>
+                      <a:tailEnd type="none" w="sm" len="sm"/>
+                    </a:lnB>
+                  </a:tcPr>
+                </a:tc>
+                <a:tc>
+                  <a:txBody>
+                    <a:bodyPr/>
+                    <a:lstStyle/>
+                    <a:p>
+                      <a:pPr marL="0" lvl="0" indent="0" algn="ctr" rtl="0">
+                        <a:spcBef>
+                          <a:spcPts val="0"/>
+                        </a:spcBef>
+                        <a:spcAft>
+                          <a:spcPts val="0"/>
+                        </a:spcAft>
+                        <a:buNone/>
+                      </a:pPr>
+                      <a:r>
+                        <a:rPr lang="zh-TW" sz="1200" dirty="0">
+                          <a:latin typeface="Microsoft JhengHei"/>
+                          <a:ea typeface="Microsoft JhengHei"/>
+                          <a:cs typeface="Microsoft JhengHei"/>
+                          <a:sym typeface="Microsoft JhengHei"/>
+                        </a:rPr>
+                        <a:t>45</a:t>
+                      </a:r>
+                      <a:endParaRPr sz="1200" dirty="0">
+                        <a:latin typeface="Microsoft JhengHei"/>
+                        <a:ea typeface="Microsoft JhengHei"/>
+                        <a:cs typeface="Microsoft JhengHei"/>
+                        <a:sym typeface="Microsoft JhengHei"/>
+                      </a:endParaRPr>
+                    </a:p>
+                  </a:txBody>
+                  <a:tcPr marL="63500" marR="63500" marT="63500" marB="63500" anchor="ctr">
+                    <a:lnL w="12700" cap="flat" cmpd="sng">
+                      <a:solidFill>
+                        <a:srgbClr val="000000"/>
+                      </a:solidFill>
+                      <a:prstDash val="solid"/>
+                      <a:round/>
+                      <a:headEnd type="none" w="sm" len="sm"/>
+                      <a:tailEnd type="none" w="sm" len="sm"/>
+                    </a:lnL>
+                    <a:lnR w="12700" cap="flat" cmpd="sng">
+                      <a:solidFill>
+                        <a:srgbClr val="000000"/>
+                      </a:solidFill>
+                      <a:prstDash val="solid"/>
+                      <a:round/>
+                      <a:headEnd type="none" w="sm" len="sm"/>
+                      <a:tailEnd type="none" w="sm" len="sm"/>
+                    </a:lnR>
+                    <a:lnT w="12700" cap="flat" cmpd="sng">
+                      <a:solidFill>
+                        <a:srgbClr val="000000"/>
+                      </a:solidFill>
+                      <a:prstDash val="solid"/>
+                      <a:round/>
+                      <a:headEnd type="none" w="sm" len="sm"/>
+                      <a:tailEnd type="none" w="sm" len="sm"/>
+                    </a:lnT>
+                    <a:lnB w="12700" cap="flat" cmpd="sng">
+                      <a:solidFill>
+                        <a:srgbClr val="000000"/>
+                      </a:solidFill>
+                      <a:prstDash val="solid"/>
+                      <a:round/>
+                      <a:headEnd type="none" w="sm" len="sm"/>
+                      <a:tailEnd type="none" w="sm" len="sm"/>
+                    </a:lnB>
+                  </a:tcPr>
+                </a:tc>
+                <a:tc>
+                  <a:txBody>
+                    <a:bodyPr/>
+                    <a:lstStyle/>
+                    <a:p>
+                      <a:pPr marL="0" lvl="0" indent="0" algn="ctr" rtl="0">
+                        <a:spcBef>
+                          <a:spcPts val="0"/>
+                        </a:spcBef>
+                        <a:spcAft>
+                          <a:spcPts val="0"/>
+                        </a:spcAft>
+                        <a:buNone/>
+                      </a:pPr>
+                      <a:r>
+                        <a:rPr lang="zh-TW" sz="1200">
+                          <a:latin typeface="Microsoft JhengHei"/>
+                          <a:ea typeface="Microsoft JhengHei"/>
+                          <a:cs typeface="Microsoft JhengHei"/>
+                          <a:sym typeface="Microsoft JhengHei"/>
+                        </a:rPr>
+                        <a:t>不一定</a:t>
+                      </a:r>
+                      <a:endParaRPr sz="1200">
+                        <a:latin typeface="Microsoft JhengHei"/>
+                        <a:ea typeface="Microsoft JhengHei"/>
+                        <a:cs typeface="Microsoft JhengHei"/>
+                        <a:sym typeface="Microsoft JhengHei"/>
+                      </a:endParaRPr>
+                    </a:p>
+                  </a:txBody>
+                  <a:tcPr marL="63500" marR="63500" marT="63500" marB="63500" anchor="ctr">
+                    <a:lnL w="12700" cap="flat" cmpd="sng">
+                      <a:solidFill>
+                        <a:srgbClr val="000000"/>
+                      </a:solidFill>
+                      <a:prstDash val="solid"/>
+                      <a:round/>
+                      <a:headEnd type="none" w="sm" len="sm"/>
+                      <a:tailEnd type="none" w="sm" len="sm"/>
+                    </a:lnL>
+                    <a:lnR w="12700" cap="flat" cmpd="sng">
+                      <a:solidFill>
+                        <a:srgbClr val="000000"/>
+                      </a:solidFill>
+                      <a:prstDash val="solid"/>
+                      <a:round/>
+                      <a:headEnd type="none" w="sm" len="sm"/>
+                      <a:tailEnd type="none" w="sm" len="sm"/>
+                    </a:lnR>
+                    <a:lnT w="12700" cap="flat" cmpd="sng">
+                      <a:solidFill>
+                        <a:srgbClr val="000000"/>
+                      </a:solidFill>
+                      <a:prstDash val="solid"/>
+                      <a:round/>
+                      <a:headEnd type="none" w="sm" len="sm"/>
+                      <a:tailEnd type="none" w="sm" len="sm"/>
+                    </a:lnT>
+                    <a:lnB w="12700" cap="flat" cmpd="sng">
+                      <a:solidFill>
+                        <a:srgbClr val="000000"/>
+                      </a:solidFill>
+                      <a:prstDash val="solid"/>
+                      <a:round/>
+                      <a:headEnd type="none" w="sm" len="sm"/>
+                      <a:tailEnd type="none" w="sm" len="sm"/>
+                    </a:lnB>
+                  </a:tcPr>
+                </a:tc>
+                <a:tc>
+                  <a:txBody>
+                    <a:bodyPr/>
+                    <a:lstStyle/>
+                    <a:p>
+                      <a:pPr marL="0" lvl="0" indent="0" algn="ctr" rtl="0">
+                        <a:spcBef>
+                          <a:spcPts val="0"/>
+                        </a:spcBef>
+                        <a:spcAft>
+                          <a:spcPts val="0"/>
+                        </a:spcAft>
+                        <a:buNone/>
+                      </a:pPr>
+                      <a:r>
+                        <a:rPr lang="zh-TW" sz="1200" dirty="0">
+                          <a:latin typeface="Microsoft JhengHei"/>
+                          <a:ea typeface="Microsoft JhengHei"/>
+                          <a:cs typeface="Microsoft JhengHei"/>
+                          <a:sym typeface="Microsoft JhengHei"/>
+                        </a:rPr>
+                        <a:t>不一定，依人格喜好決定</a:t>
+                      </a:r>
+                      <a:endParaRPr sz="1200" dirty="0">
+                        <a:latin typeface="Microsoft JhengHei"/>
+                        <a:ea typeface="Microsoft JhengHei"/>
+                        <a:cs typeface="Microsoft JhengHei"/>
+                        <a:sym typeface="Microsoft JhengHei"/>
+                      </a:endParaRPr>
+                    </a:p>
+                  </a:txBody>
+                  <a:tcPr marL="63500" marR="63500" marT="63500" marB="63500" anchor="ctr">
+                    <a:lnL w="12700" cap="flat" cmpd="sng">
+                      <a:solidFill>
+                        <a:srgbClr val="000000"/>
+                      </a:solidFill>
+                      <a:prstDash val="solid"/>
+                      <a:round/>
+                      <a:headEnd type="none" w="sm" len="sm"/>
+                      <a:tailEnd type="none" w="sm" len="sm"/>
+                    </a:lnL>
+                    <a:lnR w="12700" cap="flat" cmpd="sng">
+                      <a:solidFill>
+                        <a:srgbClr val="000000"/>
+                      </a:solidFill>
+                      <a:prstDash val="solid"/>
+                      <a:round/>
+                      <a:headEnd type="none" w="sm" len="sm"/>
+                      <a:tailEnd type="none" w="sm" len="sm"/>
+                    </a:lnR>
+                    <a:lnT w="12700" cap="flat" cmpd="sng">
+                      <a:solidFill>
+                        <a:srgbClr val="000000"/>
+                      </a:solidFill>
+                      <a:prstDash val="solid"/>
+                      <a:round/>
+                      <a:headEnd type="none" w="sm" len="sm"/>
+                      <a:tailEnd type="none" w="sm" len="sm"/>
+                    </a:lnT>
+                    <a:lnB w="12700" cap="flat" cmpd="sng">
+                      <a:solidFill>
+                        <a:srgbClr val="000000"/>
+                      </a:solidFill>
+                      <a:prstDash val="solid"/>
+                      <a:round/>
+                      <a:headEnd type="none" w="sm" len="sm"/>
+                      <a:tailEnd type="none" w="sm" len="sm"/>
+                    </a:lnB>
+                  </a:tcPr>
+                </a:tc>
+                <a:tc>
+                  <a:txBody>
+                    <a:bodyPr/>
+                    <a:lstStyle/>
+                    <a:p>
+                      <a:pPr marL="0" lvl="0" indent="0" algn="ctr" rtl="0">
+                        <a:spcBef>
+                          <a:spcPts val="0"/>
+                        </a:spcBef>
+                        <a:spcAft>
+                          <a:spcPts val="0"/>
+                        </a:spcAft>
+                        <a:buNone/>
+                      </a:pPr>
+                      <a:r>
+                        <a:rPr lang="zh-TW" sz="1200">
+                          <a:latin typeface="Microsoft JhengHei"/>
+                          <a:ea typeface="Microsoft JhengHei"/>
+                          <a:cs typeface="Microsoft JhengHei"/>
+                          <a:sym typeface="Microsoft JhengHei"/>
+                        </a:rPr>
+                        <a:t>8</a:t>
+                      </a:r>
+                      <a:endParaRPr sz="1200">
+                        <a:latin typeface="Microsoft JhengHei"/>
+                        <a:ea typeface="Microsoft JhengHei"/>
+                        <a:cs typeface="Microsoft JhengHei"/>
+                        <a:sym typeface="Microsoft JhengHei"/>
+                      </a:endParaRPr>
+                    </a:p>
+                  </a:txBody>
+                  <a:tcPr marL="63500" marR="63500" marT="63500" marB="63500" anchor="ctr">
+                    <a:lnL w="12700" cap="flat" cmpd="sng">
+                      <a:solidFill>
+                        <a:srgbClr val="000000"/>
+                      </a:solidFill>
+                      <a:prstDash val="solid"/>
+                      <a:round/>
+                      <a:headEnd type="none" w="sm" len="sm"/>
+                      <a:tailEnd type="none" w="sm" len="sm"/>
+                    </a:lnL>
+                    <a:lnR w="12700" cap="flat" cmpd="sng">
+                      <a:solidFill>
+                        <a:srgbClr val="000000"/>
+                      </a:solidFill>
+                      <a:prstDash val="solid"/>
+                      <a:round/>
+                      <a:headEnd type="none" w="sm" len="sm"/>
+                      <a:tailEnd type="none" w="sm" len="sm"/>
+                    </a:lnR>
+                    <a:lnT w="12700" cap="flat" cmpd="sng">
+                      <a:solidFill>
+                        <a:srgbClr val="000000"/>
+                      </a:solidFill>
+                      <a:prstDash val="solid"/>
+                      <a:round/>
+                      <a:headEnd type="none" w="sm" len="sm"/>
+                      <a:tailEnd type="none" w="sm" len="sm"/>
+                    </a:lnT>
+                    <a:lnB w="12700" cap="flat" cmpd="sng">
+                      <a:solidFill>
+                        <a:srgbClr val="000000"/>
+                      </a:solidFill>
+                      <a:prstDash val="solid"/>
+                      <a:round/>
+                      <a:headEnd type="none" w="sm" len="sm"/>
+                      <a:tailEnd type="none" w="sm" len="sm"/>
+                    </a:lnB>
+                  </a:tcPr>
+                </a:tc>
+                <a:extLst>
+                  <a:ext uri="{0D108BD9-81ED-4DB2-BD59-A6C34878D82A}">
+                    <a16:rowId xmlns:a16="http://schemas.microsoft.com/office/drawing/2014/main" val="10002"/>
+                  </a:ext>
+                </a:extLst>
+              </a:tr>
+              <a:tr h="751933">
+                <a:tc>
+                  <a:txBody>
+                    <a:bodyPr/>
+                    <a:lstStyle/>
+                    <a:p>
+                      <a:pPr marL="0" lvl="0" indent="0" algn="ctr" rtl="0">
+                        <a:spcBef>
+                          <a:spcPts val="0"/>
+                        </a:spcBef>
+                        <a:spcAft>
+                          <a:spcPts val="0"/>
+                        </a:spcAft>
+                        <a:buNone/>
+                      </a:pPr>
+                      <a:r>
+                        <a:rPr lang="zh-TW" sz="1200">
+                          <a:latin typeface="Microsoft JhengHei"/>
+                          <a:ea typeface="Microsoft JhengHei"/>
+                          <a:cs typeface="Microsoft JhengHei"/>
+                          <a:sym typeface="Microsoft JhengHei"/>
+                        </a:rPr>
+                        <a:t>公共/私人空間</a:t>
+                      </a:r>
+                      <a:endParaRPr sz="1200">
+                        <a:latin typeface="Microsoft JhengHei"/>
+                        <a:ea typeface="Microsoft JhengHei"/>
+                        <a:cs typeface="Microsoft JhengHei"/>
+                        <a:sym typeface="Microsoft JhengHei"/>
+                      </a:endParaRPr>
+                    </a:p>
+                  </a:txBody>
+                  <a:tcPr marL="63500" marR="63500" marT="63500" marB="63500" anchor="ctr">
+                    <a:lnL w="12700" cap="flat" cmpd="sng">
+                      <a:solidFill>
+                        <a:srgbClr val="000000"/>
+                      </a:solidFill>
+                      <a:prstDash val="solid"/>
+                      <a:round/>
+                      <a:headEnd type="none" w="sm" len="sm"/>
+                      <a:tailEnd type="none" w="sm" len="sm"/>
+                    </a:lnL>
+                    <a:lnR w="12700" cap="flat" cmpd="sng">
+                      <a:solidFill>
+                        <a:srgbClr val="000000"/>
+                      </a:solidFill>
+                      <a:prstDash val="solid"/>
+                      <a:round/>
+                      <a:headEnd type="none" w="sm" len="sm"/>
+                      <a:tailEnd type="none" w="sm" len="sm"/>
+                    </a:lnR>
+                    <a:lnT w="12700" cap="flat" cmpd="sng">
+                      <a:solidFill>
+                        <a:srgbClr val="000000"/>
+                      </a:solidFill>
+                      <a:prstDash val="solid"/>
+                      <a:round/>
+                      <a:headEnd type="none" w="sm" len="sm"/>
+                      <a:tailEnd type="none" w="sm" len="sm"/>
+                    </a:lnT>
+                    <a:lnB w="12700" cap="flat" cmpd="sng">
+                      <a:solidFill>
+                        <a:srgbClr val="000000"/>
+                      </a:solidFill>
+                      <a:prstDash val="solid"/>
+                      <a:round/>
+                      <a:headEnd type="none" w="sm" len="sm"/>
+                      <a:tailEnd type="none" w="sm" len="sm"/>
+                    </a:lnB>
+                  </a:tcPr>
+                </a:tc>
+                <a:tc>
+                  <a:txBody>
+                    <a:bodyPr/>
+                    <a:lstStyle/>
+                    <a:p>
+                      <a:pPr marL="0" lvl="0" indent="0" algn="ctr" rtl="0">
+                        <a:spcBef>
+                          <a:spcPts val="0"/>
+                        </a:spcBef>
+                        <a:spcAft>
+                          <a:spcPts val="0"/>
+                        </a:spcAft>
+                        <a:buNone/>
+                      </a:pPr>
+                      <a:r>
+                        <a:rPr lang="zh-TW" sz="1200">
+                          <a:latin typeface="Microsoft JhengHei"/>
+                          <a:ea typeface="Microsoft JhengHei"/>
+                          <a:cs typeface="Microsoft JhengHei"/>
+                          <a:sym typeface="Microsoft JhengHei"/>
+                        </a:rPr>
+                        <a:t>公共</a:t>
+                      </a:r>
+                      <a:endParaRPr sz="1200">
+                        <a:latin typeface="Microsoft JhengHei"/>
+                        <a:ea typeface="Microsoft JhengHei"/>
+                        <a:cs typeface="Microsoft JhengHei"/>
+                        <a:sym typeface="Microsoft JhengHei"/>
+                      </a:endParaRPr>
+                    </a:p>
+                  </a:txBody>
+                  <a:tcPr marL="63500" marR="63500" marT="63500" marB="63500" anchor="ctr">
+                    <a:lnL w="12700" cap="flat" cmpd="sng">
+                      <a:solidFill>
+                        <a:srgbClr val="000000"/>
+                      </a:solidFill>
+                      <a:prstDash val="solid"/>
+                      <a:round/>
+                      <a:headEnd type="none" w="sm" len="sm"/>
+                      <a:tailEnd type="none" w="sm" len="sm"/>
+                    </a:lnL>
+                    <a:lnR w="12700" cap="flat" cmpd="sng">
+                      <a:solidFill>
+                        <a:srgbClr val="000000"/>
+                      </a:solidFill>
+                      <a:prstDash val="solid"/>
+                      <a:round/>
+                      <a:headEnd type="none" w="sm" len="sm"/>
+                      <a:tailEnd type="none" w="sm" len="sm"/>
+                    </a:lnR>
+                    <a:lnT w="12700" cap="flat" cmpd="sng">
+                      <a:solidFill>
+                        <a:srgbClr val="000000"/>
+                      </a:solidFill>
+                      <a:prstDash val="solid"/>
+                      <a:round/>
+                      <a:headEnd type="none" w="sm" len="sm"/>
+                      <a:tailEnd type="none" w="sm" len="sm"/>
+                    </a:lnT>
+                    <a:lnB w="12700" cap="flat" cmpd="sng">
+                      <a:solidFill>
+                        <a:srgbClr val="000000"/>
+                      </a:solidFill>
+                      <a:prstDash val="solid"/>
+                      <a:round/>
+                      <a:headEnd type="none" w="sm" len="sm"/>
+                      <a:tailEnd type="none" w="sm" len="sm"/>
+                    </a:lnB>
+                  </a:tcPr>
+                </a:tc>
+                <a:tc>
+                  <a:txBody>
+                    <a:bodyPr/>
+                    <a:lstStyle/>
+                    <a:p>
+                      <a:pPr marL="0" lvl="0" indent="0" algn="ctr" rtl="0">
+                        <a:spcBef>
+                          <a:spcPts val="0"/>
+                        </a:spcBef>
+                        <a:spcAft>
+                          <a:spcPts val="0"/>
+                        </a:spcAft>
+                        <a:buNone/>
+                      </a:pPr>
+                      <a:r>
+                        <a:rPr lang="zh-TW" sz="1200">
+                          <a:latin typeface="Microsoft JhengHei"/>
+                          <a:ea typeface="Microsoft JhengHei"/>
+                          <a:cs typeface="Microsoft JhengHei"/>
+                          <a:sym typeface="Microsoft JhengHei"/>
+                        </a:rPr>
+                        <a:t>公共</a:t>
+                      </a:r>
+                      <a:endParaRPr sz="1200">
+                        <a:latin typeface="Microsoft JhengHei"/>
+                        <a:ea typeface="Microsoft JhengHei"/>
+                        <a:cs typeface="Microsoft JhengHei"/>
+                        <a:sym typeface="Microsoft JhengHei"/>
+                      </a:endParaRPr>
+                    </a:p>
+                  </a:txBody>
+                  <a:tcPr marL="63500" marR="63500" marT="63500" marB="63500" anchor="ctr">
+                    <a:lnL w="12700" cap="flat" cmpd="sng">
+                      <a:solidFill>
+                        <a:srgbClr val="000000"/>
+                      </a:solidFill>
+                      <a:prstDash val="solid"/>
+                      <a:round/>
+                      <a:headEnd type="none" w="sm" len="sm"/>
+                      <a:tailEnd type="none" w="sm" len="sm"/>
+                    </a:lnL>
+                    <a:lnR w="12700" cap="flat" cmpd="sng">
+                      <a:solidFill>
+                        <a:srgbClr val="000000"/>
+                      </a:solidFill>
+                      <a:prstDash val="solid"/>
+                      <a:round/>
+                      <a:headEnd type="none" w="sm" len="sm"/>
+                      <a:tailEnd type="none" w="sm" len="sm"/>
+                    </a:lnR>
+                    <a:lnT w="12700" cap="flat" cmpd="sng">
+                      <a:solidFill>
+                        <a:srgbClr val="000000"/>
+                      </a:solidFill>
+                      <a:prstDash val="solid"/>
+                      <a:round/>
+                      <a:headEnd type="none" w="sm" len="sm"/>
+                      <a:tailEnd type="none" w="sm" len="sm"/>
+                    </a:lnT>
+                    <a:lnB w="12700" cap="flat" cmpd="sng">
+                      <a:solidFill>
+                        <a:srgbClr val="000000"/>
+                      </a:solidFill>
+                      <a:prstDash val="solid"/>
+                      <a:round/>
+                      <a:headEnd type="none" w="sm" len="sm"/>
+                      <a:tailEnd type="none" w="sm" len="sm"/>
+                    </a:lnB>
+                  </a:tcPr>
+                </a:tc>
+                <a:tc>
+                  <a:txBody>
+                    <a:bodyPr/>
+                    <a:lstStyle/>
+                    <a:p>
+                      <a:pPr marL="0" lvl="0" indent="0" algn="ctr" rtl="0">
+                        <a:lnSpc>
+                          <a:spcPct val="115000"/>
+                        </a:lnSpc>
+                        <a:spcBef>
+                          <a:spcPts val="0"/>
+                        </a:spcBef>
+                        <a:spcAft>
+                          <a:spcPts val="0"/>
+                        </a:spcAft>
+                        <a:buNone/>
+                      </a:pPr>
+                      <a:r>
+                        <a:rPr lang="zh-TW" sz="1200">
+                          <a:latin typeface="Microsoft JhengHei"/>
+                          <a:ea typeface="Microsoft JhengHei"/>
+                          <a:cs typeface="Microsoft JhengHei"/>
+                          <a:sym typeface="Microsoft JhengHei"/>
+                        </a:rPr>
+                        <a:t>公共</a:t>
+                      </a:r>
+                      <a:endParaRPr sz="1200">
+                        <a:latin typeface="Microsoft JhengHei"/>
+                        <a:ea typeface="Microsoft JhengHei"/>
+                        <a:cs typeface="Microsoft JhengHei"/>
+                        <a:sym typeface="Microsoft JhengHei"/>
+                      </a:endParaRPr>
+                    </a:p>
+                  </a:txBody>
+                  <a:tcPr marL="63500" marR="63500" marT="63500" marB="63500" anchor="ctr">
+                    <a:lnL w="12700" cap="flat" cmpd="sng">
+                      <a:solidFill>
+                        <a:srgbClr val="000000"/>
+                      </a:solidFill>
+                      <a:prstDash val="solid"/>
+                      <a:round/>
+                      <a:headEnd type="none" w="sm" len="sm"/>
+                      <a:tailEnd type="none" w="sm" len="sm"/>
+                    </a:lnL>
+                    <a:lnR w="12700" cap="flat" cmpd="sng">
+                      <a:solidFill>
+                        <a:srgbClr val="000000"/>
+                      </a:solidFill>
+                      <a:prstDash val="solid"/>
+                      <a:round/>
+                      <a:headEnd type="none" w="sm" len="sm"/>
+                      <a:tailEnd type="none" w="sm" len="sm"/>
+                    </a:lnR>
+                    <a:lnT w="12700" cap="flat" cmpd="sng">
+                      <a:solidFill>
+                        <a:srgbClr val="000000"/>
+                      </a:solidFill>
+                      <a:prstDash val="solid"/>
+                      <a:round/>
+                      <a:headEnd type="none" w="sm" len="sm"/>
+                      <a:tailEnd type="none" w="sm" len="sm"/>
+                    </a:lnT>
+                    <a:lnB w="12700" cap="flat" cmpd="sng">
+                      <a:solidFill>
+                        <a:srgbClr val="000000"/>
+                      </a:solidFill>
+                      <a:prstDash val="solid"/>
+                      <a:round/>
+                      <a:headEnd type="none" w="sm" len="sm"/>
+                      <a:tailEnd type="none" w="sm" len="sm"/>
+                    </a:lnB>
+                  </a:tcPr>
+                </a:tc>
+                <a:tc>
+                  <a:txBody>
+                    <a:bodyPr/>
+                    <a:lstStyle/>
+                    <a:p>
+                      <a:pPr marL="0" lvl="0" indent="0" algn="ctr" rtl="0">
+                        <a:spcBef>
+                          <a:spcPts val="0"/>
+                        </a:spcBef>
+                        <a:spcAft>
+                          <a:spcPts val="0"/>
+                        </a:spcAft>
+                        <a:buNone/>
+                      </a:pPr>
+                      <a:r>
+                        <a:rPr lang="zh-TW" sz="1200" dirty="0">
+                          <a:latin typeface="Microsoft JhengHei"/>
+                          <a:ea typeface="Microsoft JhengHei"/>
+                          <a:cs typeface="Microsoft JhengHei"/>
+                          <a:sym typeface="Microsoft JhengHei"/>
+                        </a:rPr>
+                        <a:t>私人</a:t>
+                      </a:r>
+                      <a:endParaRPr sz="1200" dirty="0">
+                        <a:latin typeface="Microsoft JhengHei"/>
+                        <a:ea typeface="Microsoft JhengHei"/>
+                        <a:cs typeface="Microsoft JhengHei"/>
+                        <a:sym typeface="Microsoft JhengHei"/>
+                      </a:endParaRPr>
+                    </a:p>
+                  </a:txBody>
+                  <a:tcPr marL="63500" marR="63500" marT="63500" marB="63500" anchor="ctr">
+                    <a:lnL w="12700" cap="flat" cmpd="sng">
+                      <a:solidFill>
+                        <a:srgbClr val="000000"/>
+                      </a:solidFill>
+                      <a:prstDash val="solid"/>
+                      <a:round/>
+                      <a:headEnd type="none" w="sm" len="sm"/>
+                      <a:tailEnd type="none" w="sm" len="sm"/>
+                    </a:lnL>
+                    <a:lnR w="12700" cap="flat" cmpd="sng">
+                      <a:solidFill>
+                        <a:srgbClr val="000000"/>
+                      </a:solidFill>
+                      <a:prstDash val="solid"/>
+                      <a:round/>
+                      <a:headEnd type="none" w="sm" len="sm"/>
+                      <a:tailEnd type="none" w="sm" len="sm"/>
+                    </a:lnR>
+                    <a:lnT w="12700" cap="flat" cmpd="sng">
+                      <a:solidFill>
+                        <a:srgbClr val="000000"/>
+                      </a:solidFill>
+                      <a:prstDash val="solid"/>
+                      <a:round/>
+                      <a:headEnd type="none" w="sm" len="sm"/>
+                      <a:tailEnd type="none" w="sm" len="sm"/>
+                    </a:lnT>
+                    <a:lnB w="12700" cap="flat" cmpd="sng">
+                      <a:solidFill>
+                        <a:srgbClr val="000000"/>
+                      </a:solidFill>
+                      <a:prstDash val="solid"/>
+                      <a:round/>
+                      <a:headEnd type="none" w="sm" len="sm"/>
+                      <a:tailEnd type="none" w="sm" len="sm"/>
+                    </a:lnB>
+                  </a:tcPr>
+                </a:tc>
+                <a:tc>
+                  <a:txBody>
+                    <a:bodyPr/>
+                    <a:lstStyle/>
+                    <a:p>
+                      <a:pPr marL="0" lvl="0" indent="0" algn="ctr" rtl="0">
+                        <a:spcBef>
+                          <a:spcPts val="0"/>
+                        </a:spcBef>
+                        <a:spcAft>
+                          <a:spcPts val="0"/>
+                        </a:spcAft>
+                        <a:buNone/>
+                      </a:pPr>
+                      <a:r>
+                        <a:rPr lang="zh-TW" sz="1200" dirty="0">
+                          <a:latin typeface="Microsoft JhengHei"/>
+                          <a:ea typeface="Microsoft JhengHei"/>
+                          <a:cs typeface="Microsoft JhengHei"/>
+                          <a:sym typeface="Microsoft JhengHei"/>
+                        </a:rPr>
+                        <a:t>公共</a:t>
+                      </a:r>
+                      <a:endParaRPr sz="1200" dirty="0">
+                        <a:latin typeface="Microsoft JhengHei"/>
+                        <a:ea typeface="Microsoft JhengHei"/>
+                        <a:cs typeface="Microsoft JhengHei"/>
+                        <a:sym typeface="Microsoft JhengHei"/>
+                      </a:endParaRPr>
+                    </a:p>
+                  </a:txBody>
+                  <a:tcPr marL="63500" marR="63500" marT="63500" marB="63500" anchor="ctr">
+                    <a:lnL w="12700" cap="flat" cmpd="sng">
+                      <a:solidFill>
+                        <a:srgbClr val="000000"/>
+                      </a:solidFill>
+                      <a:prstDash val="solid"/>
+                      <a:round/>
+                      <a:headEnd type="none" w="sm" len="sm"/>
+                      <a:tailEnd type="none" w="sm" len="sm"/>
+                    </a:lnL>
+                    <a:lnR w="12700" cap="flat" cmpd="sng">
+                      <a:solidFill>
+                        <a:srgbClr val="000000"/>
+                      </a:solidFill>
+                      <a:prstDash val="solid"/>
+                      <a:round/>
+                      <a:headEnd type="none" w="sm" len="sm"/>
+                      <a:tailEnd type="none" w="sm" len="sm"/>
+                    </a:lnR>
+                    <a:lnT w="12700" cap="flat" cmpd="sng">
+                      <a:solidFill>
+                        <a:srgbClr val="000000"/>
+                      </a:solidFill>
+                      <a:prstDash val="solid"/>
+                      <a:round/>
+                      <a:headEnd type="none" w="sm" len="sm"/>
+                      <a:tailEnd type="none" w="sm" len="sm"/>
+                    </a:lnT>
+                    <a:lnB w="12700" cap="flat" cmpd="sng">
+                      <a:solidFill>
+                        <a:srgbClr val="000000"/>
+                      </a:solidFill>
+                      <a:prstDash val="solid"/>
+                      <a:round/>
+                      <a:headEnd type="none" w="sm" len="sm"/>
+                      <a:tailEnd type="none" w="sm" len="sm"/>
+                    </a:lnB>
+                  </a:tcPr>
+                </a:tc>
+                <a:extLst>
+                  <a:ext uri="{0D108BD9-81ED-4DB2-BD59-A6C34878D82A}">
+                    <a16:rowId xmlns:a16="http://schemas.microsoft.com/office/drawing/2014/main" val="10003"/>
+                  </a:ext>
+                </a:extLst>
+              </a:tr>
+              <a:tr h="1067963">
+                <a:tc>
+                  <a:txBody>
+                    <a:bodyPr/>
+                    <a:lstStyle/>
+                    <a:p>
+                      <a:pPr marL="0" lvl="0" indent="0" algn="ctr" rtl="0">
+                        <a:spcBef>
+                          <a:spcPts val="0"/>
+                        </a:spcBef>
+                        <a:spcAft>
+                          <a:spcPts val="0"/>
+                        </a:spcAft>
+                        <a:buNone/>
+                      </a:pPr>
+                      <a:r>
+                        <a:rPr lang="zh-TW" sz="1200">
+                          <a:latin typeface="Microsoft JhengHei"/>
+                          <a:ea typeface="Microsoft JhengHei"/>
+                          <a:cs typeface="Microsoft JhengHei"/>
+                          <a:sym typeface="Microsoft JhengHei"/>
+                        </a:rPr>
+                        <a:t>功能</a:t>
+                      </a:r>
+                      <a:endParaRPr sz="1200">
+                        <a:latin typeface="Microsoft JhengHei"/>
+                        <a:ea typeface="Microsoft JhengHei"/>
+                        <a:cs typeface="Microsoft JhengHei"/>
+                        <a:sym typeface="Microsoft JhengHei"/>
+                      </a:endParaRPr>
+                    </a:p>
+                  </a:txBody>
+                  <a:tcPr marL="63500" marR="63500" marT="63500" marB="63500" anchor="ctr">
+                    <a:lnL w="12700" cap="flat" cmpd="sng">
+                      <a:solidFill>
+                        <a:srgbClr val="000000"/>
+                      </a:solidFill>
+                      <a:prstDash val="solid"/>
+                      <a:round/>
+                      <a:headEnd type="none" w="sm" len="sm"/>
+                      <a:tailEnd type="none" w="sm" len="sm"/>
+                    </a:lnL>
+                    <a:lnR w="12700" cap="flat" cmpd="sng">
+                      <a:solidFill>
+                        <a:srgbClr val="000000"/>
+                      </a:solidFill>
+                      <a:prstDash val="solid"/>
+                      <a:round/>
+                      <a:headEnd type="none" w="sm" len="sm"/>
+                      <a:tailEnd type="none" w="sm" len="sm"/>
+                    </a:lnR>
+                    <a:lnT w="12700" cap="flat" cmpd="sng">
+                      <a:solidFill>
+                        <a:srgbClr val="000000"/>
+                      </a:solidFill>
+                      <a:prstDash val="solid"/>
+                      <a:round/>
+                      <a:headEnd type="none" w="sm" len="sm"/>
+                      <a:tailEnd type="none" w="sm" len="sm"/>
+                    </a:lnT>
+                    <a:lnB w="12700" cap="flat" cmpd="sng">
+                      <a:solidFill>
+                        <a:srgbClr val="000000"/>
+                      </a:solidFill>
+                      <a:prstDash val="solid"/>
+                      <a:round/>
+                      <a:headEnd type="none" w="sm" len="sm"/>
+                      <a:tailEnd type="none" w="sm" len="sm"/>
+                    </a:lnB>
+                  </a:tcPr>
+                </a:tc>
+                <a:tc>
+                  <a:txBody>
+                    <a:bodyPr/>
+                    <a:lstStyle/>
+                    <a:p>
+                      <a:pPr marL="0" lvl="0" indent="0" algn="ctr" rtl="0">
+                        <a:spcBef>
+                          <a:spcPts val="0"/>
+                        </a:spcBef>
+                        <a:spcAft>
+                          <a:spcPts val="0"/>
+                        </a:spcAft>
+                        <a:buNone/>
+                      </a:pPr>
+                      <a:r>
+                        <a:rPr lang="zh-TW" sz="1200" dirty="0">
+                          <a:latin typeface="Microsoft JhengHei"/>
+                          <a:ea typeface="Microsoft JhengHei"/>
+                          <a:cs typeface="Microsoft JhengHei"/>
+                          <a:sym typeface="Microsoft JhengHei"/>
+                        </a:rPr>
+                        <a:t>人格交流的地方</a:t>
+                      </a:r>
+                      <a:endParaRPr sz="1200" dirty="0">
                         <a:latin typeface="Microsoft JhengHei"/>
                         <a:ea typeface="Microsoft JhengHei"/>
                         <a:cs typeface="Microsoft JhengHei"/>
@@ -11353,15 +12713,15 @@
                         <a:buNone/>
                       </a:pPr>
                       <a:r>
-                        <a:rPr lang="zh-TW" sz="1100">
+                        <a:rPr lang="zh-TW" sz="1200" dirty="0">
                           <a:latin typeface="Microsoft JhengHei"/>
                           <a:ea typeface="Microsoft JhengHei"/>
                           <a:cs typeface="Microsoft JhengHei"/>
                           <a:sym typeface="Microsoft JhengHei"/>
                         </a:rPr>
-                        <a:t>1</a:t>
+                        <a:t>存放記憶，此處的記憶是共享的，人格也可借閱、帶回房間閱讀。</a:t>
                       </a:r>
-                      <a:endParaRPr sz="1100">
+                      <a:endParaRPr sz="1200" dirty="0">
                         <a:latin typeface="Microsoft JhengHei"/>
                         <a:ea typeface="Microsoft JhengHei"/>
                         <a:cs typeface="Microsoft JhengHei"/>
@@ -11413,7 +12773,7 @@
                     <a:bodyPr/>
                     <a:lstStyle/>
                     <a:p>
-                      <a:pPr marL="0" lvl="0" indent="0" algn="l" rtl="0">
+                      <a:pPr marL="0" lvl="0" indent="0" algn="ctr" rtl="0">
                         <a:spcBef>
                           <a:spcPts val="0"/>
                         </a:spcBef>
@@ -11423,15 +12783,15 @@
                         <a:buNone/>
                       </a:pPr>
                       <a:r>
-                        <a:rPr lang="zh-TW" sz="1100">
+                        <a:rPr lang="zh-TW" sz="1200" dirty="0">
                           <a:latin typeface="Microsoft JhengHei"/>
                           <a:ea typeface="Microsoft JhengHei"/>
                           <a:cs typeface="Microsoft JhengHei"/>
                           <a:sym typeface="Microsoft JhengHei"/>
                         </a:rPr>
-                        <a:t>2</a:t>
+                        <a:t>存放深層記憶</a:t>
                       </a:r>
-                      <a:endParaRPr sz="1100">
+                      <a:endParaRPr sz="1200" dirty="0">
                         <a:latin typeface="Microsoft JhengHei"/>
                         <a:ea typeface="Microsoft JhengHei"/>
                         <a:cs typeface="Microsoft JhengHei"/>
@@ -11483,7 +12843,7 @@
                     <a:bodyPr/>
                     <a:lstStyle/>
                     <a:p>
-                      <a:pPr marL="0" lvl="0" indent="0" algn="l" rtl="0">
+                      <a:pPr marL="0" lvl="0" indent="0" algn="ctr" rtl="0">
                         <a:spcBef>
                           <a:spcPts val="0"/>
                         </a:spcBef>
@@ -11493,15 +12853,15 @@
                         <a:buNone/>
                       </a:pPr>
                       <a:r>
-                        <a:rPr lang="zh-TW" sz="1100">
+                        <a:rPr lang="zh-TW" sz="1200">
                           <a:latin typeface="Microsoft JhengHei"/>
                           <a:ea typeface="Microsoft JhengHei"/>
                           <a:cs typeface="Microsoft JhengHei"/>
                           <a:sym typeface="Microsoft JhengHei"/>
                         </a:rPr>
-                        <a:t>不一定</a:t>
+                        <a:t>人格的私密空間</a:t>
                       </a:r>
-                      <a:endParaRPr sz="1100">
+                      <a:endParaRPr sz="1200">
                         <a:latin typeface="Microsoft JhengHei"/>
                         <a:ea typeface="Microsoft JhengHei"/>
                         <a:cs typeface="Microsoft JhengHei"/>
@@ -11553,791 +12913,7 @@
                     <a:bodyPr/>
                     <a:lstStyle/>
                     <a:p>
-                      <a:pPr marL="0" lvl="0" indent="0" algn="l" rtl="0">
-                        <a:spcBef>
-                          <a:spcPts val="0"/>
-                        </a:spcBef>
-                        <a:spcAft>
-                          <a:spcPts val="0"/>
-                        </a:spcAft>
-                        <a:buNone/>
-                      </a:pPr>
-                      <a:r>
-                        <a:rPr lang="zh-TW" sz="1100">
-                          <a:latin typeface="Microsoft JhengHei"/>
-                          <a:ea typeface="Microsoft JhengHei"/>
-                          <a:cs typeface="Microsoft JhengHei"/>
-                          <a:sym typeface="Microsoft JhengHei"/>
-                        </a:rPr>
-                        <a:t>不一定，每個人格房間所在樓層不同</a:t>
-                      </a:r>
-                      <a:endParaRPr sz="1100">
-                        <a:latin typeface="Microsoft JhengHei"/>
-                        <a:ea typeface="Microsoft JhengHei"/>
-                        <a:cs typeface="Microsoft JhengHei"/>
-                        <a:sym typeface="Microsoft JhengHei"/>
-                      </a:endParaRPr>
-                    </a:p>
-                  </a:txBody>
-                  <a:tcPr marL="63500" marR="63500" marT="63500" marB="63500" anchor="ctr">
-                    <a:lnL w="12700" cap="flat" cmpd="sng">
-                      <a:solidFill>
-                        <a:srgbClr val="000000"/>
-                      </a:solidFill>
-                      <a:prstDash val="solid"/>
-                      <a:round/>
-                      <a:headEnd type="none" w="sm" len="sm"/>
-                      <a:tailEnd type="none" w="sm" len="sm"/>
-                    </a:lnL>
-                    <a:lnR w="12700" cap="flat" cmpd="sng">
-                      <a:solidFill>
-                        <a:srgbClr val="000000"/>
-                      </a:solidFill>
-                      <a:prstDash val="solid"/>
-                      <a:round/>
-                      <a:headEnd type="none" w="sm" len="sm"/>
-                      <a:tailEnd type="none" w="sm" len="sm"/>
-                    </a:lnR>
-                    <a:lnT w="12700" cap="flat" cmpd="sng">
-                      <a:solidFill>
-                        <a:srgbClr val="000000"/>
-                      </a:solidFill>
-                      <a:prstDash val="solid"/>
-                      <a:round/>
-                      <a:headEnd type="none" w="sm" len="sm"/>
-                      <a:tailEnd type="none" w="sm" len="sm"/>
-                    </a:lnT>
-                    <a:lnB w="12700" cap="flat" cmpd="sng">
-                      <a:solidFill>
-                        <a:srgbClr val="000000"/>
-                      </a:solidFill>
-                      <a:prstDash val="solid"/>
-                      <a:round/>
-                      <a:headEnd type="none" w="sm" len="sm"/>
-                      <a:tailEnd type="none" w="sm" len="sm"/>
-                    </a:lnB>
-                  </a:tcPr>
-                </a:tc>
-                <a:tc>
-                  <a:txBody>
-                    <a:bodyPr/>
-                    <a:lstStyle/>
-                    <a:p>
-                      <a:pPr marL="0" lvl="0" indent="0" algn="l" rtl="0">
-                        <a:spcBef>
-                          <a:spcPts val="0"/>
-                        </a:spcBef>
-                        <a:spcAft>
-                          <a:spcPts val="0"/>
-                        </a:spcAft>
-                        <a:buNone/>
-                      </a:pPr>
-                      <a:r>
-                        <a:rPr lang="zh-TW" sz="1100">
-                          <a:latin typeface="Microsoft JhengHei"/>
-                          <a:ea typeface="Microsoft JhengHei"/>
-                          <a:cs typeface="Microsoft JhengHei"/>
-                          <a:sym typeface="Microsoft JhengHei"/>
-                        </a:rPr>
-                        <a:t>1</a:t>
-                      </a:r>
-                      <a:endParaRPr sz="1100">
-                        <a:latin typeface="Microsoft JhengHei"/>
-                        <a:ea typeface="Microsoft JhengHei"/>
-                        <a:cs typeface="Microsoft JhengHei"/>
-                        <a:sym typeface="Microsoft JhengHei"/>
-                      </a:endParaRPr>
-                    </a:p>
-                  </a:txBody>
-                  <a:tcPr marL="63500" marR="63500" marT="63500" marB="63500" anchor="ctr">
-                    <a:lnL w="12700" cap="flat" cmpd="sng">
-                      <a:solidFill>
-                        <a:srgbClr val="000000"/>
-                      </a:solidFill>
-                      <a:prstDash val="solid"/>
-                      <a:round/>
-                      <a:headEnd type="none" w="sm" len="sm"/>
-                      <a:tailEnd type="none" w="sm" len="sm"/>
-                    </a:lnL>
-                    <a:lnR w="12700" cap="flat" cmpd="sng">
-                      <a:solidFill>
-                        <a:srgbClr val="000000"/>
-                      </a:solidFill>
-                      <a:prstDash val="solid"/>
-                      <a:round/>
-                      <a:headEnd type="none" w="sm" len="sm"/>
-                      <a:tailEnd type="none" w="sm" len="sm"/>
-                    </a:lnR>
-                    <a:lnT w="12700" cap="flat" cmpd="sng">
-                      <a:solidFill>
-                        <a:srgbClr val="000000"/>
-                      </a:solidFill>
-                      <a:prstDash val="solid"/>
-                      <a:round/>
-                      <a:headEnd type="none" w="sm" len="sm"/>
-                      <a:tailEnd type="none" w="sm" len="sm"/>
-                    </a:lnT>
-                    <a:lnB w="12700" cap="flat" cmpd="sng">
-                      <a:solidFill>
-                        <a:srgbClr val="000000"/>
-                      </a:solidFill>
-                      <a:prstDash val="solid"/>
-                      <a:round/>
-                      <a:headEnd type="none" w="sm" len="sm"/>
-                      <a:tailEnd type="none" w="sm" len="sm"/>
-                    </a:lnB>
-                  </a:tcPr>
-                </a:tc>
-                <a:extLst>
-                  <a:ext uri="{0D108BD9-81ED-4DB2-BD59-A6C34878D82A}">
-                    <a16:rowId xmlns:a16="http://schemas.microsoft.com/office/drawing/2014/main" val="10001"/>
-                  </a:ext>
-                </a:extLst>
-              </a:tr>
-              <a:tr h="462275">
-                <a:tc>
-                  <a:txBody>
-                    <a:bodyPr/>
-                    <a:lstStyle/>
-                    <a:p>
-                      <a:pPr marL="0" lvl="0" indent="0" algn="l" rtl="0">
-                        <a:spcBef>
-                          <a:spcPts val="0"/>
-                        </a:spcBef>
-                        <a:spcAft>
-                          <a:spcPts val="0"/>
-                        </a:spcAft>
-                        <a:buNone/>
-                      </a:pPr>
-                      <a:r>
-                        <a:rPr lang="zh-TW" sz="1100">
-                          <a:latin typeface="Microsoft JhengHei"/>
-                          <a:ea typeface="Microsoft JhengHei"/>
-                          <a:cs typeface="Microsoft JhengHei"/>
-                          <a:sym typeface="Microsoft JhengHei"/>
-                        </a:rPr>
-                        <a:t>坪數</a:t>
-                      </a:r>
-                      <a:endParaRPr sz="1100">
-                        <a:latin typeface="Microsoft JhengHei"/>
-                        <a:ea typeface="Microsoft JhengHei"/>
-                        <a:cs typeface="Microsoft JhengHei"/>
-                        <a:sym typeface="Microsoft JhengHei"/>
-                      </a:endParaRPr>
-                    </a:p>
-                  </a:txBody>
-                  <a:tcPr marL="63500" marR="63500" marT="63500" marB="63500" anchor="ctr">
-                    <a:lnL w="12700" cap="flat" cmpd="sng">
-                      <a:solidFill>
-                        <a:srgbClr val="000000"/>
-                      </a:solidFill>
-                      <a:prstDash val="solid"/>
-                      <a:round/>
-                      <a:headEnd type="none" w="sm" len="sm"/>
-                      <a:tailEnd type="none" w="sm" len="sm"/>
-                    </a:lnL>
-                    <a:lnR w="12700" cap="flat" cmpd="sng">
-                      <a:solidFill>
-                        <a:srgbClr val="000000"/>
-                      </a:solidFill>
-                      <a:prstDash val="solid"/>
-                      <a:round/>
-                      <a:headEnd type="none" w="sm" len="sm"/>
-                      <a:tailEnd type="none" w="sm" len="sm"/>
-                    </a:lnR>
-                    <a:lnT w="12700" cap="flat" cmpd="sng">
-                      <a:solidFill>
-                        <a:srgbClr val="000000"/>
-                      </a:solidFill>
-                      <a:prstDash val="solid"/>
-                      <a:round/>
-                      <a:headEnd type="none" w="sm" len="sm"/>
-                      <a:tailEnd type="none" w="sm" len="sm"/>
-                    </a:lnT>
-                    <a:lnB w="12700" cap="flat" cmpd="sng">
-                      <a:solidFill>
-                        <a:srgbClr val="000000"/>
-                      </a:solidFill>
-                      <a:prstDash val="solid"/>
-                      <a:round/>
-                      <a:headEnd type="none" w="sm" len="sm"/>
-                      <a:tailEnd type="none" w="sm" len="sm"/>
-                    </a:lnB>
-                  </a:tcPr>
-                </a:tc>
-                <a:tc>
-                  <a:txBody>
-                    <a:bodyPr/>
-                    <a:lstStyle/>
-                    <a:p>
-                      <a:pPr marL="0" lvl="0" indent="0" algn="l" rtl="0">
-                        <a:spcBef>
-                          <a:spcPts val="0"/>
-                        </a:spcBef>
-                        <a:spcAft>
-                          <a:spcPts val="0"/>
-                        </a:spcAft>
-                        <a:buNone/>
-                      </a:pPr>
-                      <a:r>
-                        <a:rPr lang="zh-TW" sz="1100">
-                          <a:latin typeface="Microsoft JhengHei"/>
-                          <a:ea typeface="Microsoft JhengHei"/>
-                          <a:cs typeface="Microsoft JhengHei"/>
-                          <a:sym typeface="Microsoft JhengHei"/>
-                        </a:rPr>
-                        <a:t>28</a:t>
-                      </a:r>
-                      <a:endParaRPr sz="1100">
-                        <a:latin typeface="Microsoft JhengHei"/>
-                        <a:ea typeface="Microsoft JhengHei"/>
-                        <a:cs typeface="Microsoft JhengHei"/>
-                        <a:sym typeface="Microsoft JhengHei"/>
-                      </a:endParaRPr>
-                    </a:p>
-                  </a:txBody>
-                  <a:tcPr marL="63500" marR="63500" marT="63500" marB="63500" anchor="ctr">
-                    <a:lnL w="12700" cap="flat" cmpd="sng">
-                      <a:solidFill>
-                        <a:srgbClr val="000000"/>
-                      </a:solidFill>
-                      <a:prstDash val="solid"/>
-                      <a:round/>
-                      <a:headEnd type="none" w="sm" len="sm"/>
-                      <a:tailEnd type="none" w="sm" len="sm"/>
-                    </a:lnL>
-                    <a:lnR w="12700" cap="flat" cmpd="sng">
-                      <a:solidFill>
-                        <a:srgbClr val="000000"/>
-                      </a:solidFill>
-                      <a:prstDash val="solid"/>
-                      <a:round/>
-                      <a:headEnd type="none" w="sm" len="sm"/>
-                      <a:tailEnd type="none" w="sm" len="sm"/>
-                    </a:lnR>
-                    <a:lnT w="12700" cap="flat" cmpd="sng">
-                      <a:solidFill>
-                        <a:srgbClr val="000000"/>
-                      </a:solidFill>
-                      <a:prstDash val="solid"/>
-                      <a:round/>
-                      <a:headEnd type="none" w="sm" len="sm"/>
-                      <a:tailEnd type="none" w="sm" len="sm"/>
-                    </a:lnT>
-                    <a:lnB w="12700" cap="flat" cmpd="sng">
-                      <a:solidFill>
-                        <a:srgbClr val="000000"/>
-                      </a:solidFill>
-                      <a:prstDash val="solid"/>
-                      <a:round/>
-                      <a:headEnd type="none" w="sm" len="sm"/>
-                      <a:tailEnd type="none" w="sm" len="sm"/>
-                    </a:lnB>
-                  </a:tcPr>
-                </a:tc>
-                <a:tc>
-                  <a:txBody>
-                    <a:bodyPr/>
-                    <a:lstStyle/>
-                    <a:p>
-                      <a:pPr marL="0" lvl="0" indent="0" algn="l" rtl="0">
-                        <a:spcBef>
-                          <a:spcPts val="0"/>
-                        </a:spcBef>
-                        <a:spcAft>
-                          <a:spcPts val="0"/>
-                        </a:spcAft>
-                        <a:buNone/>
-                      </a:pPr>
-                      <a:r>
-                        <a:rPr lang="zh-TW" sz="1100">
-                          <a:latin typeface="Microsoft JhengHei"/>
-                          <a:ea typeface="Microsoft JhengHei"/>
-                          <a:cs typeface="Microsoft JhengHei"/>
-                          <a:sym typeface="Microsoft JhengHei"/>
-                        </a:rPr>
-                        <a:t>45</a:t>
-                      </a:r>
-                      <a:endParaRPr sz="1100">
-                        <a:latin typeface="Microsoft JhengHei"/>
-                        <a:ea typeface="Microsoft JhengHei"/>
-                        <a:cs typeface="Microsoft JhengHei"/>
-                        <a:sym typeface="Microsoft JhengHei"/>
-                      </a:endParaRPr>
-                    </a:p>
-                  </a:txBody>
-                  <a:tcPr marL="63500" marR="63500" marT="63500" marB="63500" anchor="ctr">
-                    <a:lnL w="12700" cap="flat" cmpd="sng">
-                      <a:solidFill>
-                        <a:srgbClr val="000000"/>
-                      </a:solidFill>
-                      <a:prstDash val="solid"/>
-                      <a:round/>
-                      <a:headEnd type="none" w="sm" len="sm"/>
-                      <a:tailEnd type="none" w="sm" len="sm"/>
-                    </a:lnL>
-                    <a:lnR w="12700" cap="flat" cmpd="sng">
-                      <a:solidFill>
-                        <a:srgbClr val="000000"/>
-                      </a:solidFill>
-                      <a:prstDash val="solid"/>
-                      <a:round/>
-                      <a:headEnd type="none" w="sm" len="sm"/>
-                      <a:tailEnd type="none" w="sm" len="sm"/>
-                    </a:lnR>
-                    <a:lnT w="12700" cap="flat" cmpd="sng">
-                      <a:solidFill>
-                        <a:srgbClr val="000000"/>
-                      </a:solidFill>
-                      <a:prstDash val="solid"/>
-                      <a:round/>
-                      <a:headEnd type="none" w="sm" len="sm"/>
-                      <a:tailEnd type="none" w="sm" len="sm"/>
-                    </a:lnT>
-                    <a:lnB w="12700" cap="flat" cmpd="sng">
-                      <a:solidFill>
-                        <a:srgbClr val="000000"/>
-                      </a:solidFill>
-                      <a:prstDash val="solid"/>
-                      <a:round/>
-                      <a:headEnd type="none" w="sm" len="sm"/>
-                      <a:tailEnd type="none" w="sm" len="sm"/>
-                    </a:lnB>
-                  </a:tcPr>
-                </a:tc>
-                <a:tc>
-                  <a:txBody>
-                    <a:bodyPr/>
-                    <a:lstStyle/>
-                    <a:p>
-                      <a:pPr marL="0" lvl="0" indent="0" algn="l" rtl="0">
-                        <a:spcBef>
-                          <a:spcPts val="0"/>
-                        </a:spcBef>
-                        <a:spcAft>
-                          <a:spcPts val="0"/>
-                        </a:spcAft>
-                        <a:buNone/>
-                      </a:pPr>
-                      <a:r>
-                        <a:rPr lang="zh-TW" sz="1100">
-                          <a:latin typeface="Microsoft JhengHei"/>
-                          <a:ea typeface="Microsoft JhengHei"/>
-                          <a:cs typeface="Microsoft JhengHei"/>
-                          <a:sym typeface="Microsoft JhengHei"/>
-                        </a:rPr>
-                        <a:t>不一定</a:t>
-                      </a:r>
-                      <a:endParaRPr sz="1100">
-                        <a:latin typeface="Microsoft JhengHei"/>
-                        <a:ea typeface="Microsoft JhengHei"/>
-                        <a:cs typeface="Microsoft JhengHei"/>
-                        <a:sym typeface="Microsoft JhengHei"/>
-                      </a:endParaRPr>
-                    </a:p>
-                  </a:txBody>
-                  <a:tcPr marL="63500" marR="63500" marT="63500" marB="63500" anchor="ctr">
-                    <a:lnL w="12700" cap="flat" cmpd="sng">
-                      <a:solidFill>
-                        <a:srgbClr val="000000"/>
-                      </a:solidFill>
-                      <a:prstDash val="solid"/>
-                      <a:round/>
-                      <a:headEnd type="none" w="sm" len="sm"/>
-                      <a:tailEnd type="none" w="sm" len="sm"/>
-                    </a:lnL>
-                    <a:lnR w="12700" cap="flat" cmpd="sng">
-                      <a:solidFill>
-                        <a:srgbClr val="000000"/>
-                      </a:solidFill>
-                      <a:prstDash val="solid"/>
-                      <a:round/>
-                      <a:headEnd type="none" w="sm" len="sm"/>
-                      <a:tailEnd type="none" w="sm" len="sm"/>
-                    </a:lnR>
-                    <a:lnT w="12700" cap="flat" cmpd="sng">
-                      <a:solidFill>
-                        <a:srgbClr val="000000"/>
-                      </a:solidFill>
-                      <a:prstDash val="solid"/>
-                      <a:round/>
-                      <a:headEnd type="none" w="sm" len="sm"/>
-                      <a:tailEnd type="none" w="sm" len="sm"/>
-                    </a:lnT>
-                    <a:lnB w="12700" cap="flat" cmpd="sng">
-                      <a:solidFill>
-                        <a:srgbClr val="000000"/>
-                      </a:solidFill>
-                      <a:prstDash val="solid"/>
-                      <a:round/>
-                      <a:headEnd type="none" w="sm" len="sm"/>
-                      <a:tailEnd type="none" w="sm" len="sm"/>
-                    </a:lnB>
-                  </a:tcPr>
-                </a:tc>
-                <a:tc>
-                  <a:txBody>
-                    <a:bodyPr/>
-                    <a:lstStyle/>
-                    <a:p>
-                      <a:pPr marL="0" lvl="0" indent="0" algn="l" rtl="0">
-                        <a:spcBef>
-                          <a:spcPts val="0"/>
-                        </a:spcBef>
-                        <a:spcAft>
-                          <a:spcPts val="0"/>
-                        </a:spcAft>
-                        <a:buNone/>
-                      </a:pPr>
-                      <a:r>
-                        <a:rPr lang="zh-TW" sz="1100">
-                          <a:latin typeface="Microsoft JhengHei"/>
-                          <a:ea typeface="Microsoft JhengHei"/>
-                          <a:cs typeface="Microsoft JhengHei"/>
-                          <a:sym typeface="Microsoft JhengHei"/>
-                        </a:rPr>
-                        <a:t>不一定，依人格喜好決定</a:t>
-                      </a:r>
-                      <a:endParaRPr sz="1100">
-                        <a:latin typeface="Microsoft JhengHei"/>
-                        <a:ea typeface="Microsoft JhengHei"/>
-                        <a:cs typeface="Microsoft JhengHei"/>
-                        <a:sym typeface="Microsoft JhengHei"/>
-                      </a:endParaRPr>
-                    </a:p>
-                  </a:txBody>
-                  <a:tcPr marL="63500" marR="63500" marT="63500" marB="63500" anchor="ctr">
-                    <a:lnL w="12700" cap="flat" cmpd="sng">
-                      <a:solidFill>
-                        <a:srgbClr val="000000"/>
-                      </a:solidFill>
-                      <a:prstDash val="solid"/>
-                      <a:round/>
-                      <a:headEnd type="none" w="sm" len="sm"/>
-                      <a:tailEnd type="none" w="sm" len="sm"/>
-                    </a:lnL>
-                    <a:lnR w="12700" cap="flat" cmpd="sng">
-                      <a:solidFill>
-                        <a:srgbClr val="000000"/>
-                      </a:solidFill>
-                      <a:prstDash val="solid"/>
-                      <a:round/>
-                      <a:headEnd type="none" w="sm" len="sm"/>
-                      <a:tailEnd type="none" w="sm" len="sm"/>
-                    </a:lnR>
-                    <a:lnT w="12700" cap="flat" cmpd="sng">
-                      <a:solidFill>
-                        <a:srgbClr val="000000"/>
-                      </a:solidFill>
-                      <a:prstDash val="solid"/>
-                      <a:round/>
-                      <a:headEnd type="none" w="sm" len="sm"/>
-                      <a:tailEnd type="none" w="sm" len="sm"/>
-                    </a:lnT>
-                    <a:lnB w="12700" cap="flat" cmpd="sng">
-                      <a:solidFill>
-                        <a:srgbClr val="000000"/>
-                      </a:solidFill>
-                      <a:prstDash val="solid"/>
-                      <a:round/>
-                      <a:headEnd type="none" w="sm" len="sm"/>
-                      <a:tailEnd type="none" w="sm" len="sm"/>
-                    </a:lnB>
-                  </a:tcPr>
-                </a:tc>
-                <a:tc>
-                  <a:txBody>
-                    <a:bodyPr/>
-                    <a:lstStyle/>
-                    <a:p>
-                      <a:pPr marL="0" lvl="0" indent="0" algn="l" rtl="0">
-                        <a:spcBef>
-                          <a:spcPts val="0"/>
-                        </a:spcBef>
-                        <a:spcAft>
-                          <a:spcPts val="0"/>
-                        </a:spcAft>
-                        <a:buNone/>
-                      </a:pPr>
-                      <a:r>
-                        <a:rPr lang="zh-TW" sz="1100">
-                          <a:latin typeface="Microsoft JhengHei"/>
-                          <a:ea typeface="Microsoft JhengHei"/>
-                          <a:cs typeface="Microsoft JhengHei"/>
-                          <a:sym typeface="Microsoft JhengHei"/>
-                        </a:rPr>
-                        <a:t>8</a:t>
-                      </a:r>
-                      <a:endParaRPr sz="1100">
-                        <a:latin typeface="Microsoft JhengHei"/>
-                        <a:ea typeface="Microsoft JhengHei"/>
-                        <a:cs typeface="Microsoft JhengHei"/>
-                        <a:sym typeface="Microsoft JhengHei"/>
-                      </a:endParaRPr>
-                    </a:p>
-                  </a:txBody>
-                  <a:tcPr marL="63500" marR="63500" marT="63500" marB="63500" anchor="ctr">
-                    <a:lnL w="12700" cap="flat" cmpd="sng">
-                      <a:solidFill>
-                        <a:srgbClr val="000000"/>
-                      </a:solidFill>
-                      <a:prstDash val="solid"/>
-                      <a:round/>
-                      <a:headEnd type="none" w="sm" len="sm"/>
-                      <a:tailEnd type="none" w="sm" len="sm"/>
-                    </a:lnL>
-                    <a:lnR w="12700" cap="flat" cmpd="sng">
-                      <a:solidFill>
-                        <a:srgbClr val="000000"/>
-                      </a:solidFill>
-                      <a:prstDash val="solid"/>
-                      <a:round/>
-                      <a:headEnd type="none" w="sm" len="sm"/>
-                      <a:tailEnd type="none" w="sm" len="sm"/>
-                    </a:lnR>
-                    <a:lnT w="12700" cap="flat" cmpd="sng">
-                      <a:solidFill>
-                        <a:srgbClr val="000000"/>
-                      </a:solidFill>
-                      <a:prstDash val="solid"/>
-                      <a:round/>
-                      <a:headEnd type="none" w="sm" len="sm"/>
-                      <a:tailEnd type="none" w="sm" len="sm"/>
-                    </a:lnT>
-                    <a:lnB w="12700" cap="flat" cmpd="sng">
-                      <a:solidFill>
-                        <a:srgbClr val="000000"/>
-                      </a:solidFill>
-                      <a:prstDash val="solid"/>
-                      <a:round/>
-                      <a:headEnd type="none" w="sm" len="sm"/>
-                      <a:tailEnd type="none" w="sm" len="sm"/>
-                    </a:lnB>
-                  </a:tcPr>
-                </a:tc>
-                <a:extLst>
-                  <a:ext uri="{0D108BD9-81ED-4DB2-BD59-A6C34878D82A}">
-                    <a16:rowId xmlns:a16="http://schemas.microsoft.com/office/drawing/2014/main" val="10002"/>
-                  </a:ext>
-                </a:extLst>
-              </a:tr>
-              <a:tr h="1451350">
-                <a:tc>
-                  <a:txBody>
-                    <a:bodyPr/>
-                    <a:lstStyle/>
-                    <a:p>
-                      <a:pPr marL="0" lvl="0" indent="0" algn="l" rtl="0">
-                        <a:spcBef>
-                          <a:spcPts val="0"/>
-                        </a:spcBef>
-                        <a:spcAft>
-                          <a:spcPts val="0"/>
-                        </a:spcAft>
-                        <a:buNone/>
-                      </a:pPr>
-                      <a:r>
-                        <a:rPr lang="zh-TW" sz="1100">
-                          <a:latin typeface="Microsoft JhengHei"/>
-                          <a:ea typeface="Microsoft JhengHei"/>
-                          <a:cs typeface="Microsoft JhengHei"/>
-                          <a:sym typeface="Microsoft JhengHei"/>
-                        </a:rPr>
-                        <a:t>公共/私人空間</a:t>
-                      </a:r>
-                      <a:endParaRPr sz="1100">
-                        <a:latin typeface="Microsoft JhengHei"/>
-                        <a:ea typeface="Microsoft JhengHei"/>
-                        <a:cs typeface="Microsoft JhengHei"/>
-                        <a:sym typeface="Microsoft JhengHei"/>
-                      </a:endParaRPr>
-                    </a:p>
-                  </a:txBody>
-                  <a:tcPr marL="63500" marR="63500" marT="63500" marB="63500" anchor="ctr">
-                    <a:lnL w="12700" cap="flat" cmpd="sng">
-                      <a:solidFill>
-                        <a:srgbClr val="000000"/>
-                      </a:solidFill>
-                      <a:prstDash val="solid"/>
-                      <a:round/>
-                      <a:headEnd type="none" w="sm" len="sm"/>
-                      <a:tailEnd type="none" w="sm" len="sm"/>
-                    </a:lnL>
-                    <a:lnR w="12700" cap="flat" cmpd="sng">
-                      <a:solidFill>
-                        <a:srgbClr val="000000"/>
-                      </a:solidFill>
-                      <a:prstDash val="solid"/>
-                      <a:round/>
-                      <a:headEnd type="none" w="sm" len="sm"/>
-                      <a:tailEnd type="none" w="sm" len="sm"/>
-                    </a:lnR>
-                    <a:lnT w="12700" cap="flat" cmpd="sng">
-                      <a:solidFill>
-                        <a:srgbClr val="000000"/>
-                      </a:solidFill>
-                      <a:prstDash val="solid"/>
-                      <a:round/>
-                      <a:headEnd type="none" w="sm" len="sm"/>
-                      <a:tailEnd type="none" w="sm" len="sm"/>
-                    </a:lnT>
-                    <a:lnB w="12700" cap="flat" cmpd="sng">
-                      <a:solidFill>
-                        <a:srgbClr val="000000"/>
-                      </a:solidFill>
-                      <a:prstDash val="solid"/>
-                      <a:round/>
-                      <a:headEnd type="none" w="sm" len="sm"/>
-                      <a:tailEnd type="none" w="sm" len="sm"/>
-                    </a:lnB>
-                  </a:tcPr>
-                </a:tc>
-                <a:tc>
-                  <a:txBody>
-                    <a:bodyPr/>
-                    <a:lstStyle/>
-                    <a:p>
-                      <a:pPr marL="0" lvl="0" indent="0" algn="l" rtl="0">
-                        <a:spcBef>
-                          <a:spcPts val="0"/>
-                        </a:spcBef>
-                        <a:spcAft>
-                          <a:spcPts val="0"/>
-                        </a:spcAft>
-                        <a:buNone/>
-                      </a:pPr>
-                      <a:r>
-                        <a:rPr lang="zh-TW" sz="1100">
-                          <a:latin typeface="Microsoft JhengHei"/>
-                          <a:ea typeface="Microsoft JhengHei"/>
-                          <a:cs typeface="Microsoft JhengHei"/>
-                          <a:sym typeface="Microsoft JhengHei"/>
-                        </a:rPr>
-                        <a:t>公共</a:t>
-                      </a:r>
-                      <a:endParaRPr sz="1100">
-                        <a:latin typeface="Microsoft JhengHei"/>
-                        <a:ea typeface="Microsoft JhengHei"/>
-                        <a:cs typeface="Microsoft JhengHei"/>
-                        <a:sym typeface="Microsoft JhengHei"/>
-                      </a:endParaRPr>
-                    </a:p>
-                  </a:txBody>
-                  <a:tcPr marL="63500" marR="63500" marT="63500" marB="63500" anchor="ctr">
-                    <a:lnL w="12700" cap="flat" cmpd="sng">
-                      <a:solidFill>
-                        <a:srgbClr val="000000"/>
-                      </a:solidFill>
-                      <a:prstDash val="solid"/>
-                      <a:round/>
-                      <a:headEnd type="none" w="sm" len="sm"/>
-                      <a:tailEnd type="none" w="sm" len="sm"/>
-                    </a:lnL>
-                    <a:lnR w="12700" cap="flat" cmpd="sng">
-                      <a:solidFill>
-                        <a:srgbClr val="000000"/>
-                      </a:solidFill>
-                      <a:prstDash val="solid"/>
-                      <a:round/>
-                      <a:headEnd type="none" w="sm" len="sm"/>
-                      <a:tailEnd type="none" w="sm" len="sm"/>
-                    </a:lnR>
-                    <a:lnT w="12700" cap="flat" cmpd="sng">
-                      <a:solidFill>
-                        <a:srgbClr val="000000"/>
-                      </a:solidFill>
-                      <a:prstDash val="solid"/>
-                      <a:round/>
-                      <a:headEnd type="none" w="sm" len="sm"/>
-                      <a:tailEnd type="none" w="sm" len="sm"/>
-                    </a:lnT>
-                    <a:lnB w="12700" cap="flat" cmpd="sng">
-                      <a:solidFill>
-                        <a:srgbClr val="000000"/>
-                      </a:solidFill>
-                      <a:prstDash val="solid"/>
-                      <a:round/>
-                      <a:headEnd type="none" w="sm" len="sm"/>
-                      <a:tailEnd type="none" w="sm" len="sm"/>
-                    </a:lnB>
-                  </a:tcPr>
-                </a:tc>
-                <a:tc>
-                  <a:txBody>
-                    <a:bodyPr/>
-                    <a:lstStyle/>
-                    <a:p>
-                      <a:pPr marL="0" lvl="0" indent="0" algn="l" rtl="0">
-                        <a:spcBef>
-                          <a:spcPts val="0"/>
-                        </a:spcBef>
-                        <a:spcAft>
-                          <a:spcPts val="0"/>
-                        </a:spcAft>
-                        <a:buNone/>
-                      </a:pPr>
-                      <a:r>
-                        <a:rPr lang="zh-TW" sz="1100">
-                          <a:latin typeface="Microsoft JhengHei"/>
-                          <a:ea typeface="Microsoft JhengHei"/>
-                          <a:cs typeface="Microsoft JhengHei"/>
-                          <a:sym typeface="Microsoft JhengHei"/>
-                        </a:rPr>
-                        <a:t>公共</a:t>
-                      </a:r>
-                      <a:endParaRPr sz="1100">
-                        <a:latin typeface="Microsoft JhengHei"/>
-                        <a:ea typeface="Microsoft JhengHei"/>
-                        <a:cs typeface="Microsoft JhengHei"/>
-                        <a:sym typeface="Microsoft JhengHei"/>
-                      </a:endParaRPr>
-                    </a:p>
-                  </a:txBody>
-                  <a:tcPr marL="63500" marR="63500" marT="63500" marB="63500" anchor="ctr">
-                    <a:lnL w="12700" cap="flat" cmpd="sng">
-                      <a:solidFill>
-                        <a:srgbClr val="000000"/>
-                      </a:solidFill>
-                      <a:prstDash val="solid"/>
-                      <a:round/>
-                      <a:headEnd type="none" w="sm" len="sm"/>
-                      <a:tailEnd type="none" w="sm" len="sm"/>
-                    </a:lnL>
-                    <a:lnR w="12700" cap="flat" cmpd="sng">
-                      <a:solidFill>
-                        <a:srgbClr val="000000"/>
-                      </a:solidFill>
-                      <a:prstDash val="solid"/>
-                      <a:round/>
-                      <a:headEnd type="none" w="sm" len="sm"/>
-                      <a:tailEnd type="none" w="sm" len="sm"/>
-                    </a:lnR>
-                    <a:lnT w="12700" cap="flat" cmpd="sng">
-                      <a:solidFill>
-                        <a:srgbClr val="000000"/>
-                      </a:solidFill>
-                      <a:prstDash val="solid"/>
-                      <a:round/>
-                      <a:headEnd type="none" w="sm" len="sm"/>
-                      <a:tailEnd type="none" w="sm" len="sm"/>
-                    </a:lnT>
-                    <a:lnB w="12700" cap="flat" cmpd="sng">
-                      <a:solidFill>
-                        <a:srgbClr val="000000"/>
-                      </a:solidFill>
-                      <a:prstDash val="solid"/>
-                      <a:round/>
-                      <a:headEnd type="none" w="sm" len="sm"/>
-                      <a:tailEnd type="none" w="sm" len="sm"/>
-                    </a:lnB>
-                  </a:tcPr>
-                </a:tc>
-                <a:tc>
-                  <a:txBody>
-                    <a:bodyPr/>
-                    <a:lstStyle/>
-                    <a:p>
-                      <a:pPr marL="0" lvl="0" indent="0" algn="l" rtl="0">
+                      <a:pPr marL="0" lvl="0" indent="0" algn="ctr" rtl="0">
                         <a:lnSpc>
                           <a:spcPct val="115000"/>
                         </a:lnSpc>
@@ -12350,606 +12926,7 @@
                         <a:buNone/>
                       </a:pPr>
                       <a:r>
-                        <a:rPr lang="zh-TW" sz="1100">
-                          <a:latin typeface="Microsoft JhengHei"/>
-                          <a:ea typeface="Microsoft JhengHei"/>
-                          <a:cs typeface="Microsoft JhengHei"/>
-                          <a:sym typeface="Microsoft JhengHei"/>
-                        </a:rPr>
-                        <a:t>如果是人格房間的地下室或閣樓，就屬於私人空間。</a:t>
-                      </a:r>
-                      <a:endParaRPr sz="1100">
-                        <a:latin typeface="Microsoft JhengHei"/>
-                        <a:ea typeface="Microsoft JhengHei"/>
-                        <a:cs typeface="Microsoft JhengHei"/>
-                        <a:sym typeface="Microsoft JhengHei"/>
-                      </a:endParaRPr>
-                    </a:p>
-                    <a:p>
-                      <a:pPr marL="0" lvl="0" indent="0" algn="l" rtl="0">
-                        <a:lnSpc>
-                          <a:spcPct val="115000"/>
-                        </a:lnSpc>
-                        <a:spcBef>
-                          <a:spcPts val="0"/>
-                        </a:spcBef>
-                        <a:spcAft>
-                          <a:spcPts val="0"/>
-                        </a:spcAft>
-                        <a:buNone/>
-                      </a:pPr>
-                      <a:r>
-                        <a:rPr lang="zh-TW" sz="1100">
-                          <a:latin typeface="Microsoft JhengHei"/>
-                          <a:ea typeface="Microsoft JhengHei"/>
-                          <a:cs typeface="Microsoft JhengHei"/>
-                          <a:sym typeface="Microsoft JhengHei"/>
-                        </a:rPr>
-                        <a:t>如果是圖書館或交誼廳的地下室或閣樓，則屬於公共空間。</a:t>
-                      </a:r>
-                      <a:endParaRPr sz="1100">
-                        <a:latin typeface="Microsoft JhengHei"/>
-                        <a:ea typeface="Microsoft JhengHei"/>
-                        <a:cs typeface="Microsoft JhengHei"/>
-                        <a:sym typeface="Microsoft JhengHei"/>
-                      </a:endParaRPr>
-                    </a:p>
-                  </a:txBody>
-                  <a:tcPr marL="63500" marR="63500" marT="63500" marB="63500" anchor="ctr">
-                    <a:lnL w="12700" cap="flat" cmpd="sng">
-                      <a:solidFill>
-                        <a:srgbClr val="000000"/>
-                      </a:solidFill>
-                      <a:prstDash val="solid"/>
-                      <a:round/>
-                      <a:headEnd type="none" w="sm" len="sm"/>
-                      <a:tailEnd type="none" w="sm" len="sm"/>
-                    </a:lnL>
-                    <a:lnR w="12700" cap="flat" cmpd="sng">
-                      <a:solidFill>
-                        <a:srgbClr val="000000"/>
-                      </a:solidFill>
-                      <a:prstDash val="solid"/>
-                      <a:round/>
-                      <a:headEnd type="none" w="sm" len="sm"/>
-                      <a:tailEnd type="none" w="sm" len="sm"/>
-                    </a:lnR>
-                    <a:lnT w="12700" cap="flat" cmpd="sng">
-                      <a:solidFill>
-                        <a:srgbClr val="000000"/>
-                      </a:solidFill>
-                      <a:prstDash val="solid"/>
-                      <a:round/>
-                      <a:headEnd type="none" w="sm" len="sm"/>
-                      <a:tailEnd type="none" w="sm" len="sm"/>
-                    </a:lnT>
-                    <a:lnB w="12700" cap="flat" cmpd="sng">
-                      <a:solidFill>
-                        <a:srgbClr val="000000"/>
-                      </a:solidFill>
-                      <a:prstDash val="solid"/>
-                      <a:round/>
-                      <a:headEnd type="none" w="sm" len="sm"/>
-                      <a:tailEnd type="none" w="sm" len="sm"/>
-                    </a:lnB>
-                  </a:tcPr>
-                </a:tc>
-                <a:tc>
-                  <a:txBody>
-                    <a:bodyPr/>
-                    <a:lstStyle/>
-                    <a:p>
-                      <a:pPr marL="0" lvl="0" indent="0" algn="l" rtl="0">
-                        <a:spcBef>
-                          <a:spcPts val="0"/>
-                        </a:spcBef>
-                        <a:spcAft>
-                          <a:spcPts val="0"/>
-                        </a:spcAft>
-                        <a:buNone/>
-                      </a:pPr>
-                      <a:r>
-                        <a:rPr lang="zh-TW" sz="1100">
-                          <a:latin typeface="Microsoft JhengHei"/>
-                          <a:ea typeface="Microsoft JhengHei"/>
-                          <a:cs typeface="Microsoft JhengHei"/>
-                          <a:sym typeface="Microsoft JhengHei"/>
-                        </a:rPr>
-                        <a:t>私人</a:t>
-                      </a:r>
-                      <a:endParaRPr sz="1100">
-                        <a:latin typeface="Microsoft JhengHei"/>
-                        <a:ea typeface="Microsoft JhengHei"/>
-                        <a:cs typeface="Microsoft JhengHei"/>
-                        <a:sym typeface="Microsoft JhengHei"/>
-                      </a:endParaRPr>
-                    </a:p>
-                  </a:txBody>
-                  <a:tcPr marL="63500" marR="63500" marT="63500" marB="63500" anchor="ctr">
-                    <a:lnL w="12700" cap="flat" cmpd="sng">
-                      <a:solidFill>
-                        <a:srgbClr val="000000"/>
-                      </a:solidFill>
-                      <a:prstDash val="solid"/>
-                      <a:round/>
-                      <a:headEnd type="none" w="sm" len="sm"/>
-                      <a:tailEnd type="none" w="sm" len="sm"/>
-                    </a:lnL>
-                    <a:lnR w="12700" cap="flat" cmpd="sng">
-                      <a:solidFill>
-                        <a:srgbClr val="000000"/>
-                      </a:solidFill>
-                      <a:prstDash val="solid"/>
-                      <a:round/>
-                      <a:headEnd type="none" w="sm" len="sm"/>
-                      <a:tailEnd type="none" w="sm" len="sm"/>
-                    </a:lnR>
-                    <a:lnT w="12700" cap="flat" cmpd="sng">
-                      <a:solidFill>
-                        <a:srgbClr val="000000"/>
-                      </a:solidFill>
-                      <a:prstDash val="solid"/>
-                      <a:round/>
-                      <a:headEnd type="none" w="sm" len="sm"/>
-                      <a:tailEnd type="none" w="sm" len="sm"/>
-                    </a:lnT>
-                    <a:lnB w="12700" cap="flat" cmpd="sng">
-                      <a:solidFill>
-                        <a:srgbClr val="000000"/>
-                      </a:solidFill>
-                      <a:prstDash val="solid"/>
-                      <a:round/>
-                      <a:headEnd type="none" w="sm" len="sm"/>
-                      <a:tailEnd type="none" w="sm" len="sm"/>
-                    </a:lnB>
-                  </a:tcPr>
-                </a:tc>
-                <a:tc>
-                  <a:txBody>
-                    <a:bodyPr/>
-                    <a:lstStyle/>
-                    <a:p>
-                      <a:pPr marL="0" lvl="0" indent="0" algn="l" rtl="0">
-                        <a:spcBef>
-                          <a:spcPts val="0"/>
-                        </a:spcBef>
-                        <a:spcAft>
-                          <a:spcPts val="0"/>
-                        </a:spcAft>
-                        <a:buNone/>
-                      </a:pPr>
-                      <a:r>
-                        <a:rPr lang="zh-TW" sz="1100">
-                          <a:latin typeface="Microsoft JhengHei"/>
-                          <a:ea typeface="Microsoft JhengHei"/>
-                          <a:cs typeface="Microsoft JhengHei"/>
-                          <a:sym typeface="Microsoft JhengHei"/>
-                        </a:rPr>
-                        <a:t>公共</a:t>
-                      </a:r>
-                      <a:endParaRPr sz="1100">
-                        <a:latin typeface="Microsoft JhengHei"/>
-                        <a:ea typeface="Microsoft JhengHei"/>
-                        <a:cs typeface="Microsoft JhengHei"/>
-                        <a:sym typeface="Microsoft JhengHei"/>
-                      </a:endParaRPr>
-                    </a:p>
-                  </a:txBody>
-                  <a:tcPr marL="63500" marR="63500" marT="63500" marB="63500" anchor="ctr">
-                    <a:lnL w="12700" cap="flat" cmpd="sng">
-                      <a:solidFill>
-                        <a:srgbClr val="000000"/>
-                      </a:solidFill>
-                      <a:prstDash val="solid"/>
-                      <a:round/>
-                      <a:headEnd type="none" w="sm" len="sm"/>
-                      <a:tailEnd type="none" w="sm" len="sm"/>
-                    </a:lnL>
-                    <a:lnR w="12700" cap="flat" cmpd="sng">
-                      <a:solidFill>
-                        <a:srgbClr val="000000"/>
-                      </a:solidFill>
-                      <a:prstDash val="solid"/>
-                      <a:round/>
-                      <a:headEnd type="none" w="sm" len="sm"/>
-                      <a:tailEnd type="none" w="sm" len="sm"/>
-                    </a:lnR>
-                    <a:lnT w="12700" cap="flat" cmpd="sng">
-                      <a:solidFill>
-                        <a:srgbClr val="000000"/>
-                      </a:solidFill>
-                      <a:prstDash val="solid"/>
-                      <a:round/>
-                      <a:headEnd type="none" w="sm" len="sm"/>
-                      <a:tailEnd type="none" w="sm" len="sm"/>
-                    </a:lnT>
-                    <a:lnB w="12700" cap="flat" cmpd="sng">
-                      <a:solidFill>
-                        <a:srgbClr val="000000"/>
-                      </a:solidFill>
-                      <a:prstDash val="solid"/>
-                      <a:round/>
-                      <a:headEnd type="none" w="sm" len="sm"/>
-                      <a:tailEnd type="none" w="sm" len="sm"/>
-                    </a:lnB>
-                  </a:tcPr>
-                </a:tc>
-                <a:extLst>
-                  <a:ext uri="{0D108BD9-81ED-4DB2-BD59-A6C34878D82A}">
-                    <a16:rowId xmlns:a16="http://schemas.microsoft.com/office/drawing/2014/main" val="10003"/>
-                  </a:ext>
-                </a:extLst>
-              </a:tr>
-              <a:tr h="797550">
-                <a:tc>
-                  <a:txBody>
-                    <a:bodyPr/>
-                    <a:lstStyle/>
-                    <a:p>
-                      <a:pPr marL="0" lvl="0" indent="0" algn="l" rtl="0">
-                        <a:spcBef>
-                          <a:spcPts val="0"/>
-                        </a:spcBef>
-                        <a:spcAft>
-                          <a:spcPts val="0"/>
-                        </a:spcAft>
-                        <a:buNone/>
-                      </a:pPr>
-                      <a:r>
-                        <a:rPr lang="zh-TW" sz="1100">
-                          <a:latin typeface="Microsoft JhengHei"/>
-                          <a:ea typeface="Microsoft JhengHei"/>
-                          <a:cs typeface="Microsoft JhengHei"/>
-                          <a:sym typeface="Microsoft JhengHei"/>
-                        </a:rPr>
-                        <a:t>功能</a:t>
-                      </a:r>
-                      <a:endParaRPr sz="1100">
-                        <a:latin typeface="Microsoft JhengHei"/>
-                        <a:ea typeface="Microsoft JhengHei"/>
-                        <a:cs typeface="Microsoft JhengHei"/>
-                        <a:sym typeface="Microsoft JhengHei"/>
-                      </a:endParaRPr>
-                    </a:p>
-                  </a:txBody>
-                  <a:tcPr marL="63500" marR="63500" marT="63500" marB="63500" anchor="ctr">
-                    <a:lnL w="12700" cap="flat" cmpd="sng">
-                      <a:solidFill>
-                        <a:srgbClr val="000000"/>
-                      </a:solidFill>
-                      <a:prstDash val="solid"/>
-                      <a:round/>
-                      <a:headEnd type="none" w="sm" len="sm"/>
-                      <a:tailEnd type="none" w="sm" len="sm"/>
-                    </a:lnL>
-                    <a:lnR w="12700" cap="flat" cmpd="sng">
-                      <a:solidFill>
-                        <a:srgbClr val="000000"/>
-                      </a:solidFill>
-                      <a:prstDash val="solid"/>
-                      <a:round/>
-                      <a:headEnd type="none" w="sm" len="sm"/>
-                      <a:tailEnd type="none" w="sm" len="sm"/>
-                    </a:lnR>
-                    <a:lnT w="12700" cap="flat" cmpd="sng">
-                      <a:solidFill>
-                        <a:srgbClr val="000000"/>
-                      </a:solidFill>
-                      <a:prstDash val="solid"/>
-                      <a:round/>
-                      <a:headEnd type="none" w="sm" len="sm"/>
-                      <a:tailEnd type="none" w="sm" len="sm"/>
-                    </a:lnT>
-                    <a:lnB w="12700" cap="flat" cmpd="sng">
-                      <a:solidFill>
-                        <a:srgbClr val="000000"/>
-                      </a:solidFill>
-                      <a:prstDash val="solid"/>
-                      <a:round/>
-                      <a:headEnd type="none" w="sm" len="sm"/>
-                      <a:tailEnd type="none" w="sm" len="sm"/>
-                    </a:lnB>
-                  </a:tcPr>
-                </a:tc>
-                <a:tc>
-                  <a:txBody>
-                    <a:bodyPr/>
-                    <a:lstStyle/>
-                    <a:p>
-                      <a:pPr marL="0" lvl="0" indent="0" algn="l" rtl="0">
-                        <a:spcBef>
-                          <a:spcPts val="0"/>
-                        </a:spcBef>
-                        <a:spcAft>
-                          <a:spcPts val="0"/>
-                        </a:spcAft>
-                        <a:buNone/>
-                      </a:pPr>
-                      <a:r>
-                        <a:rPr lang="zh-TW" sz="1100">
-                          <a:latin typeface="Microsoft JhengHei"/>
-                          <a:ea typeface="Microsoft JhengHei"/>
-                          <a:cs typeface="Microsoft JhengHei"/>
-                          <a:sym typeface="Microsoft JhengHei"/>
-                        </a:rPr>
-                        <a:t>人格交流的地方</a:t>
-                      </a:r>
-                      <a:endParaRPr sz="1100">
-                        <a:latin typeface="Microsoft JhengHei"/>
-                        <a:ea typeface="Microsoft JhengHei"/>
-                        <a:cs typeface="Microsoft JhengHei"/>
-                        <a:sym typeface="Microsoft JhengHei"/>
-                      </a:endParaRPr>
-                    </a:p>
-                  </a:txBody>
-                  <a:tcPr marL="63500" marR="63500" marT="63500" marB="63500" anchor="ctr">
-                    <a:lnL w="12700" cap="flat" cmpd="sng">
-                      <a:solidFill>
-                        <a:srgbClr val="000000"/>
-                      </a:solidFill>
-                      <a:prstDash val="solid"/>
-                      <a:round/>
-                      <a:headEnd type="none" w="sm" len="sm"/>
-                      <a:tailEnd type="none" w="sm" len="sm"/>
-                    </a:lnL>
-                    <a:lnR w="12700" cap="flat" cmpd="sng">
-                      <a:solidFill>
-                        <a:srgbClr val="000000"/>
-                      </a:solidFill>
-                      <a:prstDash val="solid"/>
-                      <a:round/>
-                      <a:headEnd type="none" w="sm" len="sm"/>
-                      <a:tailEnd type="none" w="sm" len="sm"/>
-                    </a:lnR>
-                    <a:lnT w="12700" cap="flat" cmpd="sng">
-                      <a:solidFill>
-                        <a:srgbClr val="000000"/>
-                      </a:solidFill>
-                      <a:prstDash val="solid"/>
-                      <a:round/>
-                      <a:headEnd type="none" w="sm" len="sm"/>
-                      <a:tailEnd type="none" w="sm" len="sm"/>
-                    </a:lnT>
-                    <a:lnB w="12700" cap="flat" cmpd="sng">
-                      <a:solidFill>
-                        <a:srgbClr val="000000"/>
-                      </a:solidFill>
-                      <a:prstDash val="solid"/>
-                      <a:round/>
-                      <a:headEnd type="none" w="sm" len="sm"/>
-                      <a:tailEnd type="none" w="sm" len="sm"/>
-                    </a:lnB>
-                  </a:tcPr>
-                </a:tc>
-                <a:tc>
-                  <a:txBody>
-                    <a:bodyPr/>
-                    <a:lstStyle/>
-                    <a:p>
-                      <a:pPr marL="0" lvl="0" indent="0" algn="l" rtl="0">
-                        <a:spcBef>
-                          <a:spcPts val="0"/>
-                        </a:spcBef>
-                        <a:spcAft>
-                          <a:spcPts val="0"/>
-                        </a:spcAft>
-                        <a:buNone/>
-                      </a:pPr>
-                      <a:r>
-                        <a:rPr lang="zh-TW" sz="1100">
-                          <a:latin typeface="Microsoft JhengHei"/>
-                          <a:ea typeface="Microsoft JhengHei"/>
-                          <a:cs typeface="Microsoft JhengHei"/>
-                          <a:sym typeface="Microsoft JhengHei"/>
-                        </a:rPr>
-                        <a:t>存放記憶，此處的記憶是共享的，人格也可借閱、帶回房間閱讀。</a:t>
-                      </a:r>
-                      <a:endParaRPr sz="1100">
-                        <a:latin typeface="Microsoft JhengHei"/>
-                        <a:ea typeface="Microsoft JhengHei"/>
-                        <a:cs typeface="Microsoft JhengHei"/>
-                        <a:sym typeface="Microsoft JhengHei"/>
-                      </a:endParaRPr>
-                    </a:p>
-                  </a:txBody>
-                  <a:tcPr marL="63500" marR="63500" marT="63500" marB="63500" anchor="ctr">
-                    <a:lnL w="12700" cap="flat" cmpd="sng">
-                      <a:solidFill>
-                        <a:srgbClr val="000000"/>
-                      </a:solidFill>
-                      <a:prstDash val="solid"/>
-                      <a:round/>
-                      <a:headEnd type="none" w="sm" len="sm"/>
-                      <a:tailEnd type="none" w="sm" len="sm"/>
-                    </a:lnL>
-                    <a:lnR w="12700" cap="flat" cmpd="sng">
-                      <a:solidFill>
-                        <a:srgbClr val="000000"/>
-                      </a:solidFill>
-                      <a:prstDash val="solid"/>
-                      <a:round/>
-                      <a:headEnd type="none" w="sm" len="sm"/>
-                      <a:tailEnd type="none" w="sm" len="sm"/>
-                    </a:lnR>
-                    <a:lnT w="12700" cap="flat" cmpd="sng">
-                      <a:solidFill>
-                        <a:srgbClr val="000000"/>
-                      </a:solidFill>
-                      <a:prstDash val="solid"/>
-                      <a:round/>
-                      <a:headEnd type="none" w="sm" len="sm"/>
-                      <a:tailEnd type="none" w="sm" len="sm"/>
-                    </a:lnT>
-                    <a:lnB w="12700" cap="flat" cmpd="sng">
-                      <a:solidFill>
-                        <a:srgbClr val="000000"/>
-                      </a:solidFill>
-                      <a:prstDash val="solid"/>
-                      <a:round/>
-                      <a:headEnd type="none" w="sm" len="sm"/>
-                      <a:tailEnd type="none" w="sm" len="sm"/>
-                    </a:lnB>
-                  </a:tcPr>
-                </a:tc>
-                <a:tc>
-                  <a:txBody>
-                    <a:bodyPr/>
-                    <a:lstStyle/>
-                    <a:p>
-                      <a:pPr marL="0" lvl="0" indent="0" algn="l" rtl="0">
-                        <a:spcBef>
-                          <a:spcPts val="0"/>
-                        </a:spcBef>
-                        <a:spcAft>
-                          <a:spcPts val="0"/>
-                        </a:spcAft>
-                        <a:buNone/>
-                      </a:pPr>
-                      <a:r>
-                        <a:rPr lang="zh-TW" sz="1100">
-                          <a:latin typeface="Microsoft JhengHei"/>
-                          <a:ea typeface="Microsoft JhengHei"/>
-                          <a:cs typeface="Microsoft JhengHei"/>
-                          <a:sym typeface="Microsoft JhengHei"/>
-                        </a:rPr>
-                        <a:t>存放深層記憶</a:t>
-                      </a:r>
-                      <a:endParaRPr sz="1100">
-                        <a:latin typeface="Microsoft JhengHei"/>
-                        <a:ea typeface="Microsoft JhengHei"/>
-                        <a:cs typeface="Microsoft JhengHei"/>
-                        <a:sym typeface="Microsoft JhengHei"/>
-                      </a:endParaRPr>
-                    </a:p>
-                  </a:txBody>
-                  <a:tcPr marL="63500" marR="63500" marT="63500" marB="63500" anchor="ctr">
-                    <a:lnL w="12700" cap="flat" cmpd="sng">
-                      <a:solidFill>
-                        <a:srgbClr val="000000"/>
-                      </a:solidFill>
-                      <a:prstDash val="solid"/>
-                      <a:round/>
-                      <a:headEnd type="none" w="sm" len="sm"/>
-                      <a:tailEnd type="none" w="sm" len="sm"/>
-                    </a:lnL>
-                    <a:lnR w="12700" cap="flat" cmpd="sng">
-                      <a:solidFill>
-                        <a:srgbClr val="000000"/>
-                      </a:solidFill>
-                      <a:prstDash val="solid"/>
-                      <a:round/>
-                      <a:headEnd type="none" w="sm" len="sm"/>
-                      <a:tailEnd type="none" w="sm" len="sm"/>
-                    </a:lnR>
-                    <a:lnT w="12700" cap="flat" cmpd="sng">
-                      <a:solidFill>
-                        <a:srgbClr val="000000"/>
-                      </a:solidFill>
-                      <a:prstDash val="solid"/>
-                      <a:round/>
-                      <a:headEnd type="none" w="sm" len="sm"/>
-                      <a:tailEnd type="none" w="sm" len="sm"/>
-                    </a:lnT>
-                    <a:lnB w="12700" cap="flat" cmpd="sng">
-                      <a:solidFill>
-                        <a:srgbClr val="000000"/>
-                      </a:solidFill>
-                      <a:prstDash val="solid"/>
-                      <a:round/>
-                      <a:headEnd type="none" w="sm" len="sm"/>
-                      <a:tailEnd type="none" w="sm" len="sm"/>
-                    </a:lnB>
-                  </a:tcPr>
-                </a:tc>
-                <a:tc>
-                  <a:txBody>
-                    <a:bodyPr/>
-                    <a:lstStyle/>
-                    <a:p>
-                      <a:pPr marL="0" lvl="0" indent="0" algn="l" rtl="0">
-                        <a:spcBef>
-                          <a:spcPts val="0"/>
-                        </a:spcBef>
-                        <a:spcAft>
-                          <a:spcPts val="0"/>
-                        </a:spcAft>
-                        <a:buNone/>
-                      </a:pPr>
-                      <a:r>
-                        <a:rPr lang="zh-TW" sz="1100">
-                          <a:latin typeface="Microsoft JhengHei"/>
-                          <a:ea typeface="Microsoft JhengHei"/>
-                          <a:cs typeface="Microsoft JhengHei"/>
-                          <a:sym typeface="Microsoft JhengHei"/>
-                        </a:rPr>
-                        <a:t>人格的私密空間</a:t>
-                      </a:r>
-                      <a:endParaRPr sz="1100">
-                        <a:latin typeface="Microsoft JhengHei"/>
-                        <a:ea typeface="Microsoft JhengHei"/>
-                        <a:cs typeface="Microsoft JhengHei"/>
-                        <a:sym typeface="Microsoft JhengHei"/>
-                      </a:endParaRPr>
-                    </a:p>
-                  </a:txBody>
-                  <a:tcPr marL="63500" marR="63500" marT="63500" marB="63500" anchor="ctr">
-                    <a:lnL w="12700" cap="flat" cmpd="sng">
-                      <a:solidFill>
-                        <a:srgbClr val="000000"/>
-                      </a:solidFill>
-                      <a:prstDash val="solid"/>
-                      <a:round/>
-                      <a:headEnd type="none" w="sm" len="sm"/>
-                      <a:tailEnd type="none" w="sm" len="sm"/>
-                    </a:lnL>
-                    <a:lnR w="12700" cap="flat" cmpd="sng">
-                      <a:solidFill>
-                        <a:srgbClr val="000000"/>
-                      </a:solidFill>
-                      <a:prstDash val="solid"/>
-                      <a:round/>
-                      <a:headEnd type="none" w="sm" len="sm"/>
-                      <a:tailEnd type="none" w="sm" len="sm"/>
-                    </a:lnR>
-                    <a:lnT w="12700" cap="flat" cmpd="sng">
-                      <a:solidFill>
-                        <a:srgbClr val="000000"/>
-                      </a:solidFill>
-                      <a:prstDash val="solid"/>
-                      <a:round/>
-                      <a:headEnd type="none" w="sm" len="sm"/>
-                      <a:tailEnd type="none" w="sm" len="sm"/>
-                    </a:lnT>
-                    <a:lnB w="12700" cap="flat" cmpd="sng">
-                      <a:solidFill>
-                        <a:srgbClr val="000000"/>
-                      </a:solidFill>
-                      <a:prstDash val="solid"/>
-                      <a:round/>
-                      <a:headEnd type="none" w="sm" len="sm"/>
-                      <a:tailEnd type="none" w="sm" len="sm"/>
-                    </a:lnB>
-                  </a:tcPr>
-                </a:tc>
-                <a:tc>
-                  <a:txBody>
-                    <a:bodyPr/>
-                    <a:lstStyle/>
-                    <a:p>
-                      <a:pPr marL="0" lvl="0" indent="0" algn="l" rtl="0">
-                        <a:lnSpc>
-                          <a:spcPct val="115000"/>
-                        </a:lnSpc>
-                        <a:spcBef>
-                          <a:spcPts val="0"/>
-                        </a:spcBef>
-                        <a:spcAft>
-                          <a:spcPts val="0"/>
-                        </a:spcAft>
-                        <a:buNone/>
-                      </a:pPr>
-                      <a:r>
-                        <a:rPr lang="zh-TW" sz="1100">
+                        <a:rPr lang="zh-TW" sz="1200" dirty="0">
                           <a:latin typeface="Microsoft JhengHei"/>
                           <a:ea typeface="Microsoft JhengHei"/>
                           <a:cs typeface="Microsoft JhengHei"/>
@@ -12957,7 +12934,7 @@
                         </a:rPr>
                         <a:t>在控制室的人格可操控主角身體</a:t>
                       </a:r>
-                      <a:endParaRPr sz="1100">
+                      <a:endParaRPr sz="1200" dirty="0">
                         <a:latin typeface="Microsoft JhengHei"/>
                         <a:ea typeface="Microsoft JhengHei"/>
                         <a:cs typeface="Microsoft JhengHei"/>
